--- a/periode 3/Nederlands/Engels Presentatie Laurens Segaar.pptx
+++ b/periode 3/Nederlands/Engels Presentatie Laurens Segaar.pptx
@@ -5,13 +5,20 @@
     <p:sldMasterId id="2147483648" r:id="rId1"/>
   </p:sldMasterIdLst>
   <p:sldIdLst>
-    <p:sldId id="256" r:id="rId2"/>
-    <p:sldId id="257" r:id="rId3"/>
-    <p:sldId id="258" r:id="rId4"/>
-    <p:sldId id="259" r:id="rId5"/>
-    <p:sldId id="260" r:id="rId6"/>
-    <p:sldId id="261" r:id="rId7"/>
-    <p:sldId id="262" r:id="rId8"/>
+    <p:sldId id="272" r:id="rId2"/>
+    <p:sldId id="256" r:id="rId3"/>
+    <p:sldId id="265" r:id="rId4"/>
+    <p:sldId id="266" r:id="rId5"/>
+    <p:sldId id="258" r:id="rId6"/>
+    <p:sldId id="268" r:id="rId7"/>
+    <p:sldId id="269" r:id="rId8"/>
+    <p:sldId id="260" r:id="rId9"/>
+    <p:sldId id="267" r:id="rId10"/>
+    <p:sldId id="261" r:id="rId11"/>
+    <p:sldId id="271" r:id="rId12"/>
+    <p:sldId id="262" r:id="rId13"/>
+    <p:sldId id="264" r:id="rId14"/>
+    <p:sldId id="263" r:id="rId15"/>
   </p:sldIdLst>
   <p:sldSz cx="12192000" cy="6858000"/>
   <p:notesSz cx="6858000" cy="9144000"/>
@@ -121,7 +128,7 @@
 <file path=ppt/revisionInfo.xml><?xml version="1.0" encoding="utf-8"?>
 <p1510:revInfo xmlns:a="http://schemas.openxmlformats.org/drawingml/2006/main" xmlns:r="http://schemas.openxmlformats.org/officeDocument/2006/relationships" xmlns:p1510="http://schemas.microsoft.com/office/powerpoint/2015/10/main">
   <p1510:revLst>
-    <p1510:client id="{6C9F1E4A-79EF-4A03-A32E-1C6EC1380CCF}" v="22" dt="2024-03-28T10:36:31.453"/>
+    <p1510:client id="{6C9F1E4A-79EF-4A03-A32E-1C6EC1380CCF}" v="243" dt="2024-04-11T09:05:43.245"/>
   </p1510:revLst>
 </p1510:revInfo>
 </file>
@@ -130,13 +137,13 @@
 <pc:chgInfo xmlns:a="http://schemas.openxmlformats.org/drawingml/2006/main" xmlns:r="http://schemas.openxmlformats.org/officeDocument/2006/relationships" xmlns:ac="http://schemas.microsoft.com/office/drawing/2013/main/command" xmlns:pc="http://schemas.microsoft.com/office/powerpoint/2013/main/command">
   <pc:docChgLst>
     <pc:chgData name="Laurens Segaar" userId="6597c8b0-9d96-46da-b457-1ed6f1789e93" providerId="ADAL" clId="{6C9F1E4A-79EF-4A03-A32E-1C6EC1380CCF}"/>
-    <pc:docChg chg="undo custSel addSld modSld">
-      <pc:chgData name="Laurens Segaar" userId="6597c8b0-9d96-46da-b457-1ed6f1789e93" providerId="ADAL" clId="{6C9F1E4A-79EF-4A03-A32E-1C6EC1380CCF}" dt="2024-03-28T10:38:08.333" v="122" actId="14100"/>
+    <pc:docChg chg="undo custSel addSld delSld modSld sldOrd">
+      <pc:chgData name="Laurens Segaar" userId="6597c8b0-9d96-46da-b457-1ed6f1789e93" providerId="ADAL" clId="{6C9F1E4A-79EF-4A03-A32E-1C6EC1380CCF}" dt="2024-04-11T09:05:51.012" v="1252" actId="26606"/>
       <pc:docMkLst>
         <pc:docMk/>
       </pc:docMkLst>
-      <pc:sldChg chg="addSp delSp modSp mod">
-        <pc:chgData name="Laurens Segaar" userId="6597c8b0-9d96-46da-b457-1ed6f1789e93" providerId="ADAL" clId="{6C9F1E4A-79EF-4A03-A32E-1C6EC1380CCF}" dt="2024-03-28T10:33:19.331" v="95"/>
+      <pc:sldChg chg="addSp delSp modSp mod modTransition">
+        <pc:chgData name="Laurens Segaar" userId="6597c8b0-9d96-46da-b457-1ed6f1789e93" providerId="ADAL" clId="{6C9F1E4A-79EF-4A03-A32E-1C6EC1380CCF}" dt="2024-04-10T09:11:28.734" v="862"/>
         <pc:sldMkLst>
           <pc:docMk/>
           <pc:sldMk cId="4068791116" sldId="256"/>
@@ -182,14 +189,14 @@
           </ac:picMkLst>
         </pc:picChg>
       </pc:sldChg>
-      <pc:sldChg chg="addSp delSp modSp new mod setBg">
-        <pc:chgData name="Laurens Segaar" userId="6597c8b0-9d96-46da-b457-1ed6f1789e93" providerId="ADAL" clId="{6C9F1E4A-79EF-4A03-A32E-1C6EC1380CCF}" dt="2024-03-28T10:35:53.240" v="101" actId="26606"/>
+      <pc:sldChg chg="addSp delSp modSp new del mod modTransition setBg addAnim">
+        <pc:chgData name="Laurens Segaar" userId="6597c8b0-9d96-46da-b457-1ed6f1789e93" providerId="ADAL" clId="{6C9F1E4A-79EF-4A03-A32E-1C6EC1380CCF}" dt="2024-04-09T09:33:46.598" v="801" actId="2696"/>
         <pc:sldMkLst>
           <pc:docMk/>
           <pc:sldMk cId="806257456" sldId="257"/>
         </pc:sldMkLst>
         <pc:spChg chg="add del mod ord">
-          <ac:chgData name="Laurens Segaar" userId="6597c8b0-9d96-46da-b457-1ed6f1789e93" providerId="ADAL" clId="{6C9F1E4A-79EF-4A03-A32E-1C6EC1380CCF}" dt="2024-03-28T10:35:53.240" v="101" actId="26606"/>
+          <ac:chgData name="Laurens Segaar" userId="6597c8b0-9d96-46da-b457-1ed6f1789e93" providerId="ADAL" clId="{6C9F1E4A-79EF-4A03-A32E-1C6EC1380CCF}" dt="2024-04-09T09:27:12.746" v="658" actId="26606"/>
           <ac:spMkLst>
             <pc:docMk/>
             <pc:sldMk cId="806257456" sldId="257"/>
@@ -204,24 +211,56 @@
             <ac:spMk id="3" creationId="{BC2BE574-7661-DCA8-9016-E83B49F9DF91}"/>
           </ac:spMkLst>
         </pc:spChg>
-        <pc:spChg chg="add">
-          <ac:chgData name="Laurens Segaar" userId="6597c8b0-9d96-46da-b457-1ed6f1789e93" providerId="ADAL" clId="{6C9F1E4A-79EF-4A03-A32E-1C6EC1380CCF}" dt="2024-03-28T10:35:53.240" v="101" actId="26606"/>
+        <pc:spChg chg="add del">
+          <ac:chgData name="Laurens Segaar" userId="6597c8b0-9d96-46da-b457-1ed6f1789e93" providerId="ADAL" clId="{6C9F1E4A-79EF-4A03-A32E-1C6EC1380CCF}" dt="2024-04-09T09:27:12.746" v="658" actId="26606"/>
           <ac:spMkLst>
             <pc:docMk/>
             <pc:sldMk cId="806257456" sldId="257"/>
             <ac:spMk id="9" creationId="{ECC07320-C2CA-4E29-8481-9D9E143C7788}"/>
           </ac:spMkLst>
         </pc:spChg>
-        <pc:spChg chg="add">
-          <ac:chgData name="Laurens Segaar" userId="6597c8b0-9d96-46da-b457-1ed6f1789e93" providerId="ADAL" clId="{6C9F1E4A-79EF-4A03-A32E-1C6EC1380CCF}" dt="2024-03-28T10:35:53.240" v="101" actId="26606"/>
+        <pc:spChg chg="add del">
+          <ac:chgData name="Laurens Segaar" userId="6597c8b0-9d96-46da-b457-1ed6f1789e93" providerId="ADAL" clId="{6C9F1E4A-79EF-4A03-A32E-1C6EC1380CCF}" dt="2024-04-09T09:27:12.746" v="658" actId="26606"/>
           <ac:spMkLst>
             <pc:docMk/>
             <pc:sldMk cId="806257456" sldId="257"/>
             <ac:spMk id="11" creationId="{178FB36B-5BFE-42CA-BC60-1115E0D95EEC}"/>
           </ac:spMkLst>
         </pc:spChg>
-        <pc:picChg chg="add mod">
-          <ac:chgData name="Laurens Segaar" userId="6597c8b0-9d96-46da-b457-1ed6f1789e93" providerId="ADAL" clId="{6C9F1E4A-79EF-4A03-A32E-1C6EC1380CCF}" dt="2024-03-28T10:35:53.240" v="101" actId="26606"/>
+        <pc:spChg chg="add del">
+          <ac:chgData name="Laurens Segaar" userId="6597c8b0-9d96-46da-b457-1ed6f1789e93" providerId="ADAL" clId="{6C9F1E4A-79EF-4A03-A32E-1C6EC1380CCF}" dt="2024-04-09T09:27:20.802" v="659" actId="26606"/>
+          <ac:spMkLst>
+            <pc:docMk/>
+            <pc:sldMk cId="806257456" sldId="257"/>
+            <ac:spMk id="16" creationId="{C1DD1A8A-57D5-4A81-AD04-532B043C5611}"/>
+          </ac:spMkLst>
+        </pc:spChg>
+        <pc:spChg chg="add del">
+          <ac:chgData name="Laurens Segaar" userId="6597c8b0-9d96-46da-b457-1ed6f1789e93" providerId="ADAL" clId="{6C9F1E4A-79EF-4A03-A32E-1C6EC1380CCF}" dt="2024-04-09T09:27:20.802" v="659" actId="26606"/>
+          <ac:spMkLst>
+            <pc:docMk/>
+            <pc:sldMk cId="806257456" sldId="257"/>
+            <ac:spMk id="18" creationId="{007891EC-4501-44ED-A8C8-B11B6DB767AB}"/>
+          </ac:spMkLst>
+        </pc:spChg>
+        <pc:spChg chg="add">
+          <ac:chgData name="Laurens Segaar" userId="6597c8b0-9d96-46da-b457-1ed6f1789e93" providerId="ADAL" clId="{6C9F1E4A-79EF-4A03-A32E-1C6EC1380CCF}" dt="2024-04-09T09:27:20.802" v="659" actId="26606"/>
+          <ac:spMkLst>
+            <pc:docMk/>
+            <pc:sldMk cId="806257456" sldId="257"/>
+            <ac:spMk id="23" creationId="{C1DD1A8A-57D5-4A81-AD04-532B043C5611}"/>
+          </ac:spMkLst>
+        </pc:spChg>
+        <pc:spChg chg="add">
+          <ac:chgData name="Laurens Segaar" userId="6597c8b0-9d96-46da-b457-1ed6f1789e93" providerId="ADAL" clId="{6C9F1E4A-79EF-4A03-A32E-1C6EC1380CCF}" dt="2024-04-09T09:27:20.802" v="659" actId="26606"/>
+          <ac:spMkLst>
+            <pc:docMk/>
+            <pc:sldMk cId="806257456" sldId="257"/>
+            <ac:spMk id="25" creationId="{007891EC-4501-44ED-A8C8-B11B6DB767AB}"/>
+          </ac:spMkLst>
+        </pc:spChg>
+        <pc:picChg chg="add del mod modCrop">
+          <ac:chgData name="Laurens Segaar" userId="6597c8b0-9d96-46da-b457-1ed6f1789e93" providerId="ADAL" clId="{6C9F1E4A-79EF-4A03-A32E-1C6EC1380CCF}" dt="2024-04-09T09:33:40.720" v="800" actId="478"/>
           <ac:picMkLst>
             <pc:docMk/>
             <pc:sldMk cId="806257456" sldId="257"/>
@@ -236,15 +275,135 @@
             <ac:picMk id="4" creationId="{9A030759-81E6-20FC-6E19-4C81D9EF9207}"/>
           </ac:picMkLst>
         </pc:picChg>
+        <pc:inkChg chg="add del">
+          <ac:chgData name="Laurens Segaar" userId="6597c8b0-9d96-46da-b457-1ed6f1789e93" providerId="ADAL" clId="{6C9F1E4A-79EF-4A03-A32E-1C6EC1380CCF}" dt="2024-04-09T09:27:51.529" v="662" actId="9405"/>
+          <ac:inkMkLst>
+            <pc:docMk/>
+            <pc:sldMk cId="806257456" sldId="257"/>
+            <ac:inkMk id="3" creationId="{05427714-6FD9-6EA1-18D0-1683A5A679B9}"/>
+          </ac:inkMkLst>
+        </pc:inkChg>
+        <pc:inkChg chg="add del">
+          <ac:chgData name="Laurens Segaar" userId="6597c8b0-9d96-46da-b457-1ed6f1789e93" providerId="ADAL" clId="{6C9F1E4A-79EF-4A03-A32E-1C6EC1380CCF}" dt="2024-04-09T09:27:56.854" v="664" actId="9405"/>
+          <ac:inkMkLst>
+            <pc:docMk/>
+            <pc:sldMk cId="806257456" sldId="257"/>
+            <ac:inkMk id="5" creationId="{6F0520AE-6B0F-0706-91D7-50F2F0E56D46}"/>
+          </ac:inkMkLst>
+        </pc:inkChg>
+        <pc:inkChg chg="add del">
+          <ac:chgData name="Laurens Segaar" userId="6597c8b0-9d96-46da-b457-1ed6f1789e93" providerId="ADAL" clId="{6C9F1E4A-79EF-4A03-A32E-1C6EC1380CCF}" dt="2024-04-09T09:28:12.624" v="666" actId="9405"/>
+          <ac:inkMkLst>
+            <pc:docMk/>
+            <pc:sldMk cId="806257456" sldId="257"/>
+            <ac:inkMk id="6" creationId="{A26975E2-21FF-54CA-0164-D35FA130C311}"/>
+          </ac:inkMkLst>
+        </pc:inkChg>
+        <pc:inkChg chg="add del">
+          <ac:chgData name="Laurens Segaar" userId="6597c8b0-9d96-46da-b457-1ed6f1789e93" providerId="ADAL" clId="{6C9F1E4A-79EF-4A03-A32E-1C6EC1380CCF}" dt="2024-04-09T09:28:31.099" v="668" actId="9405"/>
+          <ac:inkMkLst>
+            <pc:docMk/>
+            <pc:sldMk cId="806257456" sldId="257"/>
+            <ac:inkMk id="7" creationId="{AE44AC27-C82A-C32F-7076-9997AAF032AC}"/>
+          </ac:inkMkLst>
+        </pc:inkChg>
+        <pc:inkChg chg="add del">
+          <ac:chgData name="Laurens Segaar" userId="6597c8b0-9d96-46da-b457-1ed6f1789e93" providerId="ADAL" clId="{6C9F1E4A-79EF-4A03-A32E-1C6EC1380CCF}" dt="2024-04-09T09:28:59.499" v="672" actId="9405"/>
+          <ac:inkMkLst>
+            <pc:docMk/>
+            <pc:sldMk cId="806257456" sldId="257"/>
+            <ac:inkMk id="8" creationId="{8702EA54-1F9D-FBBC-01BC-955507BB23A4}"/>
+          </ac:inkMkLst>
+        </pc:inkChg>
+        <pc:inkChg chg="add del">
+          <ac:chgData name="Laurens Segaar" userId="6597c8b0-9d96-46da-b457-1ed6f1789e93" providerId="ADAL" clId="{6C9F1E4A-79EF-4A03-A32E-1C6EC1380CCF}" dt="2024-04-09T09:28:58.193" v="671" actId="9405"/>
+          <ac:inkMkLst>
+            <pc:docMk/>
+            <pc:sldMk cId="806257456" sldId="257"/>
+            <ac:inkMk id="10" creationId="{86B67AAC-B3C2-4E0F-5C79-ACC3A1FDE278}"/>
+          </ac:inkMkLst>
+        </pc:inkChg>
+        <pc:inkChg chg="add">
+          <ac:chgData name="Laurens Segaar" userId="6597c8b0-9d96-46da-b457-1ed6f1789e93" providerId="ADAL" clId="{6C9F1E4A-79EF-4A03-A32E-1C6EC1380CCF}" dt="2024-04-09T09:29:08.962" v="673" actId="9405"/>
+          <ac:inkMkLst>
+            <pc:docMk/>
+            <pc:sldMk cId="806257456" sldId="257"/>
+            <ac:inkMk id="12" creationId="{F4444921-471A-AECC-2D03-DFCD9705B331}"/>
+          </ac:inkMkLst>
+        </pc:inkChg>
+        <pc:inkChg chg="add">
+          <ac:chgData name="Laurens Segaar" userId="6597c8b0-9d96-46da-b457-1ed6f1789e93" providerId="ADAL" clId="{6C9F1E4A-79EF-4A03-A32E-1C6EC1380CCF}" dt="2024-04-09T09:29:09.710" v="674" actId="9405"/>
+          <ac:inkMkLst>
+            <pc:docMk/>
+            <pc:sldMk cId="806257456" sldId="257"/>
+            <ac:inkMk id="13" creationId="{B87A3E4B-49CA-302A-25AB-C9480F07E608}"/>
+          </ac:inkMkLst>
+        </pc:inkChg>
+        <pc:inkChg chg="add">
+          <ac:chgData name="Laurens Segaar" userId="6597c8b0-9d96-46da-b457-1ed6f1789e93" providerId="ADAL" clId="{6C9F1E4A-79EF-4A03-A32E-1C6EC1380CCF}" dt="2024-04-09T09:29:10.281" v="675" actId="9405"/>
+          <ac:inkMkLst>
+            <pc:docMk/>
+            <pc:sldMk cId="806257456" sldId="257"/>
+            <ac:inkMk id="14" creationId="{64BCEBF3-DA88-F1E9-91E4-C202892051CE}"/>
+          </ac:inkMkLst>
+        </pc:inkChg>
+        <pc:inkChg chg="add">
+          <ac:chgData name="Laurens Segaar" userId="6597c8b0-9d96-46da-b457-1ed6f1789e93" providerId="ADAL" clId="{6C9F1E4A-79EF-4A03-A32E-1C6EC1380CCF}" dt="2024-04-09T09:29:14.995" v="676" actId="9405"/>
+          <ac:inkMkLst>
+            <pc:docMk/>
+            <pc:sldMk cId="806257456" sldId="257"/>
+            <ac:inkMk id="15" creationId="{3BEB6C97-00F4-8CE3-55EA-81A30673BF3A}"/>
+          </ac:inkMkLst>
+        </pc:inkChg>
+        <pc:inkChg chg="add">
+          <ac:chgData name="Laurens Segaar" userId="6597c8b0-9d96-46da-b457-1ed6f1789e93" providerId="ADAL" clId="{6C9F1E4A-79EF-4A03-A32E-1C6EC1380CCF}" dt="2024-04-09T09:29:15.391" v="677" actId="9405"/>
+          <ac:inkMkLst>
+            <pc:docMk/>
+            <pc:sldMk cId="806257456" sldId="257"/>
+            <ac:inkMk id="17" creationId="{4271AE10-3937-D0D0-79C2-98FF4E3399AF}"/>
+          </ac:inkMkLst>
+        </pc:inkChg>
+        <pc:inkChg chg="add">
+          <ac:chgData name="Laurens Segaar" userId="6597c8b0-9d96-46da-b457-1ed6f1789e93" providerId="ADAL" clId="{6C9F1E4A-79EF-4A03-A32E-1C6EC1380CCF}" dt="2024-04-09T09:29:15.739" v="678" actId="9405"/>
+          <ac:inkMkLst>
+            <pc:docMk/>
+            <pc:sldMk cId="806257456" sldId="257"/>
+            <ac:inkMk id="19" creationId="{43D27F49-F602-9E7C-B2B9-B291E4792658}"/>
+          </ac:inkMkLst>
+        </pc:inkChg>
+        <pc:inkChg chg="add">
+          <ac:chgData name="Laurens Segaar" userId="6597c8b0-9d96-46da-b457-1ed6f1789e93" providerId="ADAL" clId="{6C9F1E4A-79EF-4A03-A32E-1C6EC1380CCF}" dt="2024-04-09T09:29:16.858" v="679" actId="9405"/>
+          <ac:inkMkLst>
+            <pc:docMk/>
+            <pc:sldMk cId="806257456" sldId="257"/>
+            <ac:inkMk id="20" creationId="{402CC667-B05B-CFB5-26BD-3A7D8FC6B180}"/>
+          </ac:inkMkLst>
+        </pc:inkChg>
+        <pc:inkChg chg="add">
+          <ac:chgData name="Laurens Segaar" userId="6597c8b0-9d96-46da-b457-1ed6f1789e93" providerId="ADAL" clId="{6C9F1E4A-79EF-4A03-A32E-1C6EC1380CCF}" dt="2024-04-09T09:29:18.214" v="680" actId="9405"/>
+          <ac:inkMkLst>
+            <pc:docMk/>
+            <pc:sldMk cId="806257456" sldId="257"/>
+            <ac:inkMk id="21" creationId="{00339129-FE2D-03EC-627F-426F4E91DAA5}"/>
+          </ac:inkMkLst>
+        </pc:inkChg>
+        <pc:inkChg chg="add">
+          <ac:chgData name="Laurens Segaar" userId="6597c8b0-9d96-46da-b457-1ed6f1789e93" providerId="ADAL" clId="{6C9F1E4A-79EF-4A03-A32E-1C6EC1380CCF}" dt="2024-04-09T09:29:27.228" v="681" actId="9405"/>
+          <ac:inkMkLst>
+            <pc:docMk/>
+            <pc:sldMk cId="806257456" sldId="257"/>
+            <ac:inkMk id="22" creationId="{B3ADFFCF-24F3-4969-D543-F81C7259D74C}"/>
+          </ac:inkMkLst>
+        </pc:inkChg>
       </pc:sldChg>
-      <pc:sldChg chg="addSp delSp modSp new mod">
-        <pc:chgData name="Laurens Segaar" userId="6597c8b0-9d96-46da-b457-1ed6f1789e93" providerId="ADAL" clId="{6C9F1E4A-79EF-4A03-A32E-1C6EC1380CCF}" dt="2024-03-28T10:38:08.333" v="122" actId="14100"/>
+      <pc:sldChg chg="addSp delSp modSp new mod modTransition delAnim modAnim">
+        <pc:chgData name="Laurens Segaar" userId="6597c8b0-9d96-46da-b457-1ed6f1789e93" providerId="ADAL" clId="{6C9F1E4A-79EF-4A03-A32E-1C6EC1380CCF}" dt="2024-04-11T08:46:37.452" v="1189"/>
         <pc:sldMkLst>
           <pc:docMk/>
           <pc:sldMk cId="691705613" sldId="258"/>
         </pc:sldMkLst>
         <pc:spChg chg="mod">
-          <ac:chgData name="Laurens Segaar" userId="6597c8b0-9d96-46da-b457-1ed6f1789e93" providerId="ADAL" clId="{6C9F1E4A-79EF-4A03-A32E-1C6EC1380CCF}" dt="2024-03-28T10:36:38.021" v="109" actId="20577"/>
+          <ac:chgData name="Laurens Segaar" userId="6597c8b0-9d96-46da-b457-1ed6f1789e93" providerId="ADAL" clId="{6C9F1E4A-79EF-4A03-A32E-1C6EC1380CCF}" dt="2024-04-03T09:16:12.375" v="131" actId="207"/>
           <ac:spMkLst>
             <pc:docMk/>
             <pc:sldMk cId="691705613" sldId="258"/>
@@ -259,8 +418,24 @@
             <ac:spMk id="3" creationId="{DA1509A7-2DA1-937C-78E7-6E88D1207D11}"/>
           </ac:spMkLst>
         </pc:spChg>
+        <pc:picChg chg="add mod ord">
+          <ac:chgData name="Laurens Segaar" userId="6597c8b0-9d96-46da-b457-1ed6f1789e93" providerId="ADAL" clId="{6C9F1E4A-79EF-4A03-A32E-1C6EC1380CCF}" dt="2024-04-10T09:11:57.993" v="864" actId="167"/>
+          <ac:picMkLst>
+            <pc:docMk/>
+            <pc:sldMk cId="691705613" sldId="258"/>
+            <ac:picMk id="3" creationId="{A9CE8526-4D93-62DD-135A-C4B1CC85E665}"/>
+          </ac:picMkLst>
+        </pc:picChg>
+        <pc:picChg chg="add del mod modCrop">
+          <ac:chgData name="Laurens Segaar" userId="6597c8b0-9d96-46da-b457-1ed6f1789e93" providerId="ADAL" clId="{6C9F1E4A-79EF-4A03-A32E-1C6EC1380CCF}" dt="2024-04-10T09:20:50.520" v="939" actId="478"/>
+          <ac:picMkLst>
+            <pc:docMk/>
+            <pc:sldMk cId="691705613" sldId="258"/>
+            <ac:picMk id="4" creationId="{ECC271E9-B4B7-5594-B7BF-DE22E0772A83}"/>
+          </ac:picMkLst>
+        </pc:picChg>
         <pc:picChg chg="add mod ord modCrop">
-          <ac:chgData name="Laurens Segaar" userId="6597c8b0-9d96-46da-b457-1ed6f1789e93" providerId="ADAL" clId="{6C9F1E4A-79EF-4A03-A32E-1C6EC1380CCF}" dt="2024-03-28T10:38:08.333" v="122" actId="14100"/>
+          <ac:chgData name="Laurens Segaar" userId="6597c8b0-9d96-46da-b457-1ed6f1789e93" providerId="ADAL" clId="{6C9F1E4A-79EF-4A03-A32E-1C6EC1380CCF}" dt="2024-04-10T09:12:45.798" v="866" actId="1076"/>
           <ac:picMkLst>
             <pc:docMk/>
             <pc:sldMk cId="691705613" sldId="258"/>
@@ -268,33 +443,582 @@
           </ac:picMkLst>
         </pc:picChg>
       </pc:sldChg>
-      <pc:sldChg chg="new">
-        <pc:chgData name="Laurens Segaar" userId="6597c8b0-9d96-46da-b457-1ed6f1789e93" providerId="ADAL" clId="{6C9F1E4A-79EF-4A03-A32E-1C6EC1380CCF}" dt="2024-03-26T10:42:10.741" v="2" actId="680"/>
+      <pc:sldChg chg="addSp delSp modSp new del mod modTransition delAnim modAnim">
+        <pc:chgData name="Laurens Segaar" userId="6597c8b0-9d96-46da-b457-1ed6f1789e93" providerId="ADAL" clId="{6C9F1E4A-79EF-4A03-A32E-1C6EC1380CCF}" dt="2024-04-11T08:51:50.838" v="1217" actId="2696"/>
         <pc:sldMkLst>
           <pc:docMk/>
           <pc:sldMk cId="1740275069" sldId="259"/>
         </pc:sldMkLst>
+        <pc:spChg chg="mod">
+          <ac:chgData name="Laurens Segaar" userId="6597c8b0-9d96-46da-b457-1ed6f1789e93" providerId="ADAL" clId="{6C9F1E4A-79EF-4A03-A32E-1C6EC1380CCF}" dt="2024-04-03T09:24:45.882" v="138" actId="207"/>
+          <ac:spMkLst>
+            <pc:docMk/>
+            <pc:sldMk cId="1740275069" sldId="259"/>
+            <ac:spMk id="2" creationId="{A23FC669-9472-F7EC-C78E-D05B582892B0}"/>
+          </ac:spMkLst>
+        </pc:spChg>
+        <pc:spChg chg="del">
+          <ac:chgData name="Laurens Segaar" userId="6597c8b0-9d96-46da-b457-1ed6f1789e93" providerId="ADAL" clId="{6C9F1E4A-79EF-4A03-A32E-1C6EC1380CCF}" dt="2024-04-03T09:25:06.703" v="139" actId="931"/>
+          <ac:spMkLst>
+            <pc:docMk/>
+            <pc:sldMk cId="1740275069" sldId="259"/>
+            <ac:spMk id="3" creationId="{90F9839E-FA02-2F26-B504-A2E77A6720D0}"/>
+          </ac:spMkLst>
+        </pc:spChg>
+        <pc:picChg chg="add del mod">
+          <ac:chgData name="Laurens Segaar" userId="6597c8b0-9d96-46da-b457-1ed6f1789e93" providerId="ADAL" clId="{6C9F1E4A-79EF-4A03-A32E-1C6EC1380CCF}" dt="2024-04-10T09:50:47.343" v="1005" actId="478"/>
+          <ac:picMkLst>
+            <pc:docMk/>
+            <pc:sldMk cId="1740275069" sldId="259"/>
+            <ac:picMk id="3" creationId="{BB5A6A0D-6DBF-624F-4678-982FF0785F01}"/>
+          </ac:picMkLst>
+        </pc:picChg>
+        <pc:picChg chg="add del mod modCrop">
+          <ac:chgData name="Laurens Segaar" userId="6597c8b0-9d96-46da-b457-1ed6f1789e93" providerId="ADAL" clId="{6C9F1E4A-79EF-4A03-A32E-1C6EC1380CCF}" dt="2024-04-11T08:51:40.222" v="1216" actId="478"/>
+          <ac:picMkLst>
+            <pc:docMk/>
+            <pc:sldMk cId="1740275069" sldId="259"/>
+            <ac:picMk id="4" creationId="{FDBB910E-31D1-D082-B2FF-46B6A0CD91F7}"/>
+          </ac:picMkLst>
+        </pc:picChg>
+        <pc:picChg chg="add mod ord modCrop">
+          <ac:chgData name="Laurens Segaar" userId="6597c8b0-9d96-46da-b457-1ed6f1789e93" providerId="ADAL" clId="{6C9F1E4A-79EF-4A03-A32E-1C6EC1380CCF}" dt="2024-04-10T09:51:28.494" v="1017" actId="1076"/>
+          <ac:picMkLst>
+            <pc:docMk/>
+            <pc:sldMk cId="1740275069" sldId="259"/>
+            <ac:picMk id="5" creationId="{8FB82147-58A3-E053-AA99-2D0789D87240}"/>
+          </ac:picMkLst>
+        </pc:picChg>
       </pc:sldChg>
-      <pc:sldChg chg="new">
-        <pc:chgData name="Laurens Segaar" userId="6597c8b0-9d96-46da-b457-1ed6f1789e93" providerId="ADAL" clId="{6C9F1E4A-79EF-4A03-A32E-1C6EC1380CCF}" dt="2024-03-26T10:42:11.058" v="3" actId="680"/>
+      <pc:sldChg chg="addSp delSp modSp new mod modTransition">
+        <pc:chgData name="Laurens Segaar" userId="6597c8b0-9d96-46da-b457-1ed6f1789e93" providerId="ADAL" clId="{6C9F1E4A-79EF-4A03-A32E-1C6EC1380CCF}" dt="2024-04-03T09:51:08.219" v="404"/>
         <pc:sldMkLst>
           <pc:docMk/>
           <pc:sldMk cId="2686134132" sldId="260"/>
         </pc:sldMkLst>
+        <pc:spChg chg="mod">
+          <ac:chgData name="Laurens Segaar" userId="6597c8b0-9d96-46da-b457-1ed6f1789e93" providerId="ADAL" clId="{6C9F1E4A-79EF-4A03-A32E-1C6EC1380CCF}" dt="2024-04-03T09:28:19.636" v="173" actId="20577"/>
+          <ac:spMkLst>
+            <pc:docMk/>
+            <pc:sldMk cId="2686134132" sldId="260"/>
+            <ac:spMk id="2" creationId="{FDDD17DC-88A0-F03C-F18B-2F3D8C5DFD79}"/>
+          </ac:spMkLst>
+        </pc:spChg>
+        <pc:spChg chg="del">
+          <ac:chgData name="Laurens Segaar" userId="6597c8b0-9d96-46da-b457-1ed6f1789e93" providerId="ADAL" clId="{6C9F1E4A-79EF-4A03-A32E-1C6EC1380CCF}" dt="2024-04-03T09:28:05.665" v="156" actId="931"/>
+          <ac:spMkLst>
+            <pc:docMk/>
+            <pc:sldMk cId="2686134132" sldId="260"/>
+            <ac:spMk id="3" creationId="{99D74B3E-FBCF-DB43-483D-C4B1CD5F1D2C}"/>
+          </ac:spMkLst>
+        </pc:spChg>
+        <pc:picChg chg="add mod ord">
+          <ac:chgData name="Laurens Segaar" userId="6597c8b0-9d96-46da-b457-1ed6f1789e93" providerId="ADAL" clId="{6C9F1E4A-79EF-4A03-A32E-1C6EC1380CCF}" dt="2024-04-03T09:28:31.653" v="179" actId="14100"/>
+          <ac:picMkLst>
+            <pc:docMk/>
+            <pc:sldMk cId="2686134132" sldId="260"/>
+            <ac:picMk id="5" creationId="{D37DA613-0AF7-E071-67F9-C6A6C6925100}"/>
+          </ac:picMkLst>
+        </pc:picChg>
       </pc:sldChg>
-      <pc:sldChg chg="new">
-        <pc:chgData name="Laurens Segaar" userId="6597c8b0-9d96-46da-b457-1ed6f1789e93" providerId="ADAL" clId="{6C9F1E4A-79EF-4A03-A32E-1C6EC1380CCF}" dt="2024-03-26T10:42:11.228" v="4" actId="680"/>
+      <pc:sldChg chg="delSp modSp new mod modTransition">
+        <pc:chgData name="Laurens Segaar" userId="6597c8b0-9d96-46da-b457-1ed6f1789e93" providerId="ADAL" clId="{6C9F1E4A-79EF-4A03-A32E-1C6EC1380CCF}" dt="2024-04-11T08:44:41.890" v="1160"/>
         <pc:sldMkLst>
           <pc:docMk/>
           <pc:sldMk cId="1226652928" sldId="261"/>
         </pc:sldMkLst>
+        <pc:spChg chg="del">
+          <ac:chgData name="Laurens Segaar" userId="6597c8b0-9d96-46da-b457-1ed6f1789e93" providerId="ADAL" clId="{6C9F1E4A-79EF-4A03-A32E-1C6EC1380CCF}" dt="2024-04-03T09:29:04.908" v="181" actId="478"/>
+          <ac:spMkLst>
+            <pc:docMk/>
+            <pc:sldMk cId="1226652928" sldId="261"/>
+            <ac:spMk id="2" creationId="{BDE7E1F5-DDB2-A44C-C217-A90183466400}"/>
+          </ac:spMkLst>
+        </pc:spChg>
+        <pc:spChg chg="mod">
+          <ac:chgData name="Laurens Segaar" userId="6597c8b0-9d96-46da-b457-1ed6f1789e93" providerId="ADAL" clId="{6C9F1E4A-79EF-4A03-A32E-1C6EC1380CCF}" dt="2024-04-11T08:43:25.081" v="1122" actId="20577"/>
+          <ac:spMkLst>
+            <pc:docMk/>
+            <pc:sldMk cId="1226652928" sldId="261"/>
+            <ac:spMk id="3" creationId="{9FDC649C-6451-97C1-C589-D7A104BB8FBB}"/>
+          </ac:spMkLst>
+        </pc:spChg>
       </pc:sldChg>
-      <pc:sldChg chg="new">
-        <pc:chgData name="Laurens Segaar" userId="6597c8b0-9d96-46da-b457-1ed6f1789e93" providerId="ADAL" clId="{6C9F1E4A-79EF-4A03-A32E-1C6EC1380CCF}" dt="2024-03-26T10:42:11.340" v="5" actId="680"/>
+      <pc:sldChg chg="addSp delSp modSp new mod modTransition">
+        <pc:chgData name="Laurens Segaar" userId="6597c8b0-9d96-46da-b457-1ed6f1789e93" providerId="ADAL" clId="{6C9F1E4A-79EF-4A03-A32E-1C6EC1380CCF}" dt="2024-04-03T09:56:45.272" v="638"/>
         <pc:sldMkLst>
           <pc:docMk/>
           <pc:sldMk cId="3933053359" sldId="262"/>
         </pc:sldMkLst>
+        <pc:spChg chg="mod">
+          <ac:chgData name="Laurens Segaar" userId="6597c8b0-9d96-46da-b457-1ed6f1789e93" providerId="ADAL" clId="{6C9F1E4A-79EF-4A03-A32E-1C6EC1380CCF}" dt="2024-04-03T09:43:38.798" v="399" actId="255"/>
+          <ac:spMkLst>
+            <pc:docMk/>
+            <pc:sldMk cId="3933053359" sldId="262"/>
+            <ac:spMk id="2" creationId="{EEB1298E-057B-2476-E916-1D48C1BF24CE}"/>
+          </ac:spMkLst>
+        </pc:spChg>
+        <pc:spChg chg="del">
+          <ac:chgData name="Laurens Segaar" userId="6597c8b0-9d96-46da-b457-1ed6f1789e93" providerId="ADAL" clId="{6C9F1E4A-79EF-4A03-A32E-1C6EC1380CCF}" dt="2024-04-03T09:39:13.428" v="238" actId="931"/>
+          <ac:spMkLst>
+            <pc:docMk/>
+            <pc:sldMk cId="3933053359" sldId="262"/>
+            <ac:spMk id="3" creationId="{23C761D8-A506-36C5-86C4-A70D03365E5F}"/>
+          </ac:spMkLst>
+        </pc:spChg>
+        <pc:picChg chg="add mod ord">
+          <ac:chgData name="Laurens Segaar" userId="6597c8b0-9d96-46da-b457-1ed6f1789e93" providerId="ADAL" clId="{6C9F1E4A-79EF-4A03-A32E-1C6EC1380CCF}" dt="2024-04-03T09:52:35.289" v="407" actId="1076"/>
+          <ac:picMkLst>
+            <pc:docMk/>
+            <pc:sldMk cId="3933053359" sldId="262"/>
+            <ac:picMk id="5" creationId="{2FAA30E0-376B-5BCE-AEB1-3B4BA0F5D77C}"/>
+          </ac:picMkLst>
+        </pc:picChg>
+      </pc:sldChg>
+      <pc:sldChg chg="addSp delSp modSp new mod modTransition">
+        <pc:chgData name="Laurens Segaar" userId="6597c8b0-9d96-46da-b457-1ed6f1789e93" providerId="ADAL" clId="{6C9F1E4A-79EF-4A03-A32E-1C6EC1380CCF}" dt="2024-04-11T08:55:47.850" v="1224"/>
+        <pc:sldMkLst>
+          <pc:docMk/>
+          <pc:sldMk cId="2310889101" sldId="263"/>
+        </pc:sldMkLst>
+        <pc:spChg chg="mod">
+          <ac:chgData name="Laurens Segaar" userId="6597c8b0-9d96-46da-b457-1ed6f1789e93" providerId="ADAL" clId="{6C9F1E4A-79EF-4A03-A32E-1C6EC1380CCF}" dt="2024-04-03T09:43:29.888" v="398" actId="255"/>
+          <ac:spMkLst>
+            <pc:docMk/>
+            <pc:sldMk cId="2310889101" sldId="263"/>
+            <ac:spMk id="2" creationId="{98583E37-C506-5388-AA4A-C6EDD0876CEC}"/>
+          </ac:spMkLst>
+        </pc:spChg>
+        <pc:spChg chg="del">
+          <ac:chgData name="Laurens Segaar" userId="6597c8b0-9d96-46da-b457-1ed6f1789e93" providerId="ADAL" clId="{6C9F1E4A-79EF-4A03-A32E-1C6EC1380CCF}" dt="2024-04-03T09:41:59.683" v="375"/>
+          <ac:spMkLst>
+            <pc:docMk/>
+            <pc:sldMk cId="2310889101" sldId="263"/>
+            <ac:spMk id="3" creationId="{452D4AE0-FAB4-C685-1C00-EAD2F6D27608}"/>
+          </ac:spMkLst>
+        </pc:spChg>
+        <pc:picChg chg="add mod ord">
+          <ac:chgData name="Laurens Segaar" userId="6597c8b0-9d96-46da-b457-1ed6f1789e93" providerId="ADAL" clId="{6C9F1E4A-79EF-4A03-A32E-1C6EC1380CCF}" dt="2024-04-03T09:55:16.044" v="626" actId="14100"/>
+          <ac:picMkLst>
+            <pc:docMk/>
+            <pc:sldMk cId="2310889101" sldId="263"/>
+            <ac:picMk id="4" creationId="{D473B85B-9AEA-1D5E-F17C-4203F68AA044}"/>
+          </ac:picMkLst>
+        </pc:picChg>
+        <pc:picChg chg="add mod ord">
+          <ac:chgData name="Laurens Segaar" userId="6597c8b0-9d96-46da-b457-1ed6f1789e93" providerId="ADAL" clId="{6C9F1E4A-79EF-4A03-A32E-1C6EC1380CCF}" dt="2024-04-03T09:43:13.888" v="393" actId="1076"/>
+          <ac:picMkLst>
+            <pc:docMk/>
+            <pc:sldMk cId="2310889101" sldId="263"/>
+            <ac:picMk id="6" creationId="{041D2517-E017-7827-A2FC-01A4462E686E}"/>
+          </ac:picMkLst>
+        </pc:picChg>
+      </pc:sldChg>
+      <pc:sldChg chg="addSp delSp modSp new mod modTransition">
+        <pc:chgData name="Laurens Segaar" userId="6597c8b0-9d96-46da-b457-1ed6f1789e93" providerId="ADAL" clId="{6C9F1E4A-79EF-4A03-A32E-1C6EC1380CCF}" dt="2024-04-11T08:55:45.019" v="1223"/>
+        <pc:sldMkLst>
+          <pc:docMk/>
+          <pc:sldMk cId="3251566025" sldId="264"/>
+        </pc:sldMkLst>
+        <pc:spChg chg="mod">
+          <ac:chgData name="Laurens Segaar" userId="6597c8b0-9d96-46da-b457-1ed6f1789e93" providerId="ADAL" clId="{6C9F1E4A-79EF-4A03-A32E-1C6EC1380CCF}" dt="2024-04-03T09:54:33.021" v="616" actId="20577"/>
+          <ac:spMkLst>
+            <pc:docMk/>
+            <pc:sldMk cId="3251566025" sldId="264"/>
+            <ac:spMk id="2" creationId="{099E1FFB-A11F-672E-2A12-512F9D887A43}"/>
+          </ac:spMkLst>
+        </pc:spChg>
+        <pc:spChg chg="del">
+          <ac:chgData name="Laurens Segaar" userId="6597c8b0-9d96-46da-b457-1ed6f1789e93" providerId="ADAL" clId="{6C9F1E4A-79EF-4A03-A32E-1C6EC1380CCF}" dt="2024-04-03T09:54:40.348" v="617"/>
+          <ac:spMkLst>
+            <pc:docMk/>
+            <pc:sldMk cId="3251566025" sldId="264"/>
+            <ac:spMk id="3" creationId="{E1F14C06-3D1B-3CED-5BAE-03FE22C8B4A5}"/>
+          </ac:spMkLst>
+        </pc:spChg>
+        <pc:picChg chg="add mod ord">
+          <ac:chgData name="Laurens Segaar" userId="6597c8b0-9d96-46da-b457-1ed6f1789e93" providerId="ADAL" clId="{6C9F1E4A-79EF-4A03-A32E-1C6EC1380CCF}" dt="2024-04-03T09:55:19.459" v="627" actId="14100"/>
+          <ac:picMkLst>
+            <pc:docMk/>
+            <pc:sldMk cId="3251566025" sldId="264"/>
+            <ac:picMk id="4" creationId="{6DC6D074-D868-AC9C-73F9-89B44B663794}"/>
+          </ac:picMkLst>
+        </pc:picChg>
+        <pc:picChg chg="add mod ord modCrop">
+          <ac:chgData name="Laurens Segaar" userId="6597c8b0-9d96-46da-b457-1ed6f1789e93" providerId="ADAL" clId="{6C9F1E4A-79EF-4A03-A32E-1C6EC1380CCF}" dt="2024-04-03T09:56:15.489" v="635" actId="732"/>
+          <ac:picMkLst>
+            <pc:docMk/>
+            <pc:sldMk cId="3251566025" sldId="264"/>
+            <ac:picMk id="5" creationId="{22C995B8-687C-4551-2E9D-D83FDC0D7D7B}"/>
+          </ac:picMkLst>
+        </pc:picChg>
+        <pc:picChg chg="add mod">
+          <ac:chgData name="Laurens Segaar" userId="6597c8b0-9d96-46da-b457-1ed6f1789e93" providerId="ADAL" clId="{6C9F1E4A-79EF-4A03-A32E-1C6EC1380CCF}" dt="2024-04-03T09:56:26.518" v="636"/>
+          <ac:picMkLst>
+            <pc:docMk/>
+            <pc:sldMk cId="3251566025" sldId="264"/>
+            <ac:picMk id="6" creationId="{C3D82E72-9A8B-7BB5-251D-B743966639B5}"/>
+          </ac:picMkLst>
+        </pc:picChg>
+      </pc:sldChg>
+      <pc:sldChg chg="addSp modSp new mod ord modTransition setBg">
+        <pc:chgData name="Laurens Segaar" userId="6597c8b0-9d96-46da-b457-1ed6f1789e93" providerId="ADAL" clId="{6C9F1E4A-79EF-4A03-A32E-1C6EC1380CCF}" dt="2024-04-11T08:45:05.405" v="1167"/>
+        <pc:sldMkLst>
+          <pc:docMk/>
+          <pc:sldMk cId="94327335" sldId="265"/>
+        </pc:sldMkLst>
+        <pc:spChg chg="mod">
+          <ac:chgData name="Laurens Segaar" userId="6597c8b0-9d96-46da-b457-1ed6f1789e93" providerId="ADAL" clId="{6C9F1E4A-79EF-4A03-A32E-1C6EC1380CCF}" dt="2024-04-09T09:27:03.085" v="657" actId="26606"/>
+          <ac:spMkLst>
+            <pc:docMk/>
+            <pc:sldMk cId="94327335" sldId="265"/>
+            <ac:spMk id="2" creationId="{F8E2DB37-EEBA-1AB8-33AD-C325D621C75E}"/>
+          </ac:spMkLst>
+        </pc:spChg>
+        <pc:spChg chg="mod">
+          <ac:chgData name="Laurens Segaar" userId="6597c8b0-9d96-46da-b457-1ed6f1789e93" providerId="ADAL" clId="{6C9F1E4A-79EF-4A03-A32E-1C6EC1380CCF}" dt="2024-04-09T09:27:03.085" v="657" actId="26606"/>
+          <ac:spMkLst>
+            <pc:docMk/>
+            <pc:sldMk cId="94327335" sldId="265"/>
+            <ac:spMk id="3" creationId="{CD5B54EA-CC31-500C-2C5E-C7515525183C}"/>
+          </ac:spMkLst>
+        </pc:spChg>
+        <pc:spChg chg="add">
+          <ac:chgData name="Laurens Segaar" userId="6597c8b0-9d96-46da-b457-1ed6f1789e93" providerId="ADAL" clId="{6C9F1E4A-79EF-4A03-A32E-1C6EC1380CCF}" dt="2024-04-09T09:27:03.085" v="657" actId="26606"/>
+          <ac:spMkLst>
+            <pc:docMk/>
+            <pc:sldMk cId="94327335" sldId="265"/>
+            <ac:spMk id="9" creationId="{04812C46-200A-4DEB-A05E-3ED6C68C2387}"/>
+          </ac:spMkLst>
+        </pc:spChg>
+        <pc:spChg chg="add">
+          <ac:chgData name="Laurens Segaar" userId="6597c8b0-9d96-46da-b457-1ed6f1789e93" providerId="ADAL" clId="{6C9F1E4A-79EF-4A03-A32E-1C6EC1380CCF}" dt="2024-04-09T09:27:03.085" v="657" actId="26606"/>
+          <ac:spMkLst>
+            <pc:docMk/>
+            <pc:sldMk cId="94327335" sldId="265"/>
+            <ac:spMk id="11" creationId="{D1EA859B-E555-4109-94F3-6700E046E008}"/>
+          </ac:spMkLst>
+        </pc:spChg>
+        <pc:picChg chg="add mod ord">
+          <ac:chgData name="Laurens Segaar" userId="6597c8b0-9d96-46da-b457-1ed6f1789e93" providerId="ADAL" clId="{6C9F1E4A-79EF-4A03-A32E-1C6EC1380CCF}" dt="2024-04-09T09:27:03.085" v="657" actId="26606"/>
+          <ac:picMkLst>
+            <pc:docMk/>
+            <pc:sldMk cId="94327335" sldId="265"/>
+            <ac:picMk id="4" creationId="{C7F815A5-5A35-A7F8-A9F5-03FCFB34AE35}"/>
+          </ac:picMkLst>
+        </pc:picChg>
+        <pc:picChg chg="add mod">
+          <ac:chgData name="Laurens Segaar" userId="6597c8b0-9d96-46da-b457-1ed6f1789e93" providerId="ADAL" clId="{6C9F1E4A-79EF-4A03-A32E-1C6EC1380CCF}" dt="2024-04-09T09:33:33.528" v="794" actId="1076"/>
+          <ac:picMkLst>
+            <pc:docMk/>
+            <pc:sldMk cId="94327335" sldId="265"/>
+            <ac:picMk id="5" creationId="{B8C69DBB-5CAE-56C1-FC18-E28643B08135}"/>
+          </ac:picMkLst>
+        </pc:picChg>
+      </pc:sldChg>
+      <pc:sldChg chg="addSp delSp modSp new mod modTransition setBg">
+        <pc:chgData name="Laurens Segaar" userId="6597c8b0-9d96-46da-b457-1ed6f1789e93" providerId="ADAL" clId="{6C9F1E4A-79EF-4A03-A32E-1C6EC1380CCF}" dt="2024-04-11T08:52:49.182" v="1220" actId="732"/>
+        <pc:sldMkLst>
+          <pc:docMk/>
+          <pc:sldMk cId="3855317204" sldId="266"/>
+        </pc:sldMkLst>
+        <pc:spChg chg="del mod">
+          <ac:chgData name="Laurens Segaar" userId="6597c8b0-9d96-46da-b457-1ed6f1789e93" providerId="ADAL" clId="{6C9F1E4A-79EF-4A03-A32E-1C6EC1380CCF}" dt="2024-04-10T09:17:33.223" v="921" actId="26606"/>
+          <ac:spMkLst>
+            <pc:docMk/>
+            <pc:sldMk cId="3855317204" sldId="266"/>
+            <ac:spMk id="2" creationId="{31B966B7-FF8F-1776-479E-B2EA40E9C938}"/>
+          </ac:spMkLst>
+        </pc:spChg>
+        <pc:spChg chg="del">
+          <ac:chgData name="Laurens Segaar" userId="6597c8b0-9d96-46da-b457-1ed6f1789e93" providerId="ADAL" clId="{6C9F1E4A-79EF-4A03-A32E-1C6EC1380CCF}" dt="2024-04-10T09:14:22.656" v="886"/>
+          <ac:spMkLst>
+            <pc:docMk/>
+            <pc:sldMk cId="3855317204" sldId="266"/>
+            <ac:spMk id="3" creationId="{6641D56E-FBC0-4BEB-9723-09676237767B}"/>
+          </ac:spMkLst>
+        </pc:spChg>
+        <pc:spChg chg="add del">
+          <ac:chgData name="Laurens Segaar" userId="6597c8b0-9d96-46da-b457-1ed6f1789e93" providerId="ADAL" clId="{6C9F1E4A-79EF-4A03-A32E-1C6EC1380CCF}" dt="2024-04-10T09:17:33.223" v="921" actId="26606"/>
+          <ac:spMkLst>
+            <pc:docMk/>
+            <pc:sldMk cId="3855317204" sldId="266"/>
+            <ac:spMk id="6" creationId="{37C89E4B-3C9F-44B9-8B86-D9E3D112D8EC}"/>
+          </ac:spMkLst>
+        </pc:spChg>
+        <pc:spChg chg="add del">
+          <ac:chgData name="Laurens Segaar" userId="6597c8b0-9d96-46da-b457-1ed6f1789e93" providerId="ADAL" clId="{6C9F1E4A-79EF-4A03-A32E-1C6EC1380CCF}" dt="2024-04-10T09:14:46.757" v="896" actId="26606"/>
+          <ac:spMkLst>
+            <pc:docMk/>
+            <pc:sldMk cId="3855317204" sldId="266"/>
+            <ac:spMk id="9" creationId="{37C89E4B-3C9F-44B9-8B86-D9E3D112D8EC}"/>
+          </ac:spMkLst>
+        </pc:spChg>
+        <pc:spChg chg="add">
+          <ac:chgData name="Laurens Segaar" userId="6597c8b0-9d96-46da-b457-1ed6f1789e93" providerId="ADAL" clId="{6C9F1E4A-79EF-4A03-A32E-1C6EC1380CCF}" dt="2024-04-10T09:17:33.223" v="921" actId="26606"/>
+          <ac:spMkLst>
+            <pc:docMk/>
+            <pc:sldMk cId="3855317204" sldId="266"/>
+            <ac:spMk id="10" creationId="{AB8C311F-7253-4AED-9701-7FC0708C41C7}"/>
+          </ac:spMkLst>
+        </pc:spChg>
+        <pc:spChg chg="add">
+          <ac:chgData name="Laurens Segaar" userId="6597c8b0-9d96-46da-b457-1ed6f1789e93" providerId="ADAL" clId="{6C9F1E4A-79EF-4A03-A32E-1C6EC1380CCF}" dt="2024-04-10T09:17:33.223" v="921" actId="26606"/>
+          <ac:spMkLst>
+            <pc:docMk/>
+            <pc:sldMk cId="3855317204" sldId="266"/>
+            <ac:spMk id="15" creationId="{FD073016-B734-483B-8953-5BADEE145112}"/>
+          </ac:spMkLst>
+        </pc:spChg>
+        <pc:spChg chg="add">
+          <ac:chgData name="Laurens Segaar" userId="6597c8b0-9d96-46da-b457-1ed6f1789e93" providerId="ADAL" clId="{6C9F1E4A-79EF-4A03-A32E-1C6EC1380CCF}" dt="2024-04-10T09:17:33.223" v="921" actId="26606"/>
+          <ac:spMkLst>
+            <pc:docMk/>
+            <pc:sldMk cId="3855317204" sldId="266"/>
+            <ac:spMk id="17" creationId="{90A7EAB6-59D3-4325-8DE6-E0CA4009CE53}"/>
+          </ac:spMkLst>
+        </pc:spChg>
+        <pc:spChg chg="add">
+          <ac:chgData name="Laurens Segaar" userId="6597c8b0-9d96-46da-b457-1ed6f1789e93" providerId="ADAL" clId="{6C9F1E4A-79EF-4A03-A32E-1C6EC1380CCF}" dt="2024-04-10T09:17:33.223" v="921" actId="26606"/>
+          <ac:spMkLst>
+            <pc:docMk/>
+            <pc:sldMk cId="3855317204" sldId="266"/>
+            <ac:spMk id="19" creationId="{A8D57A06-A426-446D-B02C-A2DC6B62E45E}"/>
+          </ac:spMkLst>
+        </pc:spChg>
+        <pc:picChg chg="add mod ord modCrop">
+          <ac:chgData name="Laurens Segaar" userId="6597c8b0-9d96-46da-b457-1ed6f1789e93" providerId="ADAL" clId="{6C9F1E4A-79EF-4A03-A32E-1C6EC1380CCF}" dt="2024-04-11T08:52:49.182" v="1220" actId="732"/>
+          <ac:picMkLst>
+            <pc:docMk/>
+            <pc:sldMk cId="3855317204" sldId="266"/>
+            <ac:picMk id="4" creationId="{6CA52C18-881D-3CA6-2705-9A22F8ED79C7}"/>
+          </ac:picMkLst>
+        </pc:picChg>
+        <pc:cxnChg chg="add del">
+          <ac:chgData name="Laurens Segaar" userId="6597c8b0-9d96-46da-b457-1ed6f1789e93" providerId="ADAL" clId="{6C9F1E4A-79EF-4A03-A32E-1C6EC1380CCF}" dt="2024-04-10T09:17:33.223" v="921" actId="26606"/>
+          <ac:cxnSpMkLst>
+            <pc:docMk/>
+            <pc:sldMk cId="3855317204" sldId="266"/>
+            <ac:cxnSpMk id="7" creationId="{AA2EAA10-076F-46BD-8F0F-B9A2FB77A85C}"/>
+          </ac:cxnSpMkLst>
+        </pc:cxnChg>
+        <pc:cxnChg chg="add del">
+          <ac:chgData name="Laurens Segaar" userId="6597c8b0-9d96-46da-b457-1ed6f1789e93" providerId="ADAL" clId="{6C9F1E4A-79EF-4A03-A32E-1C6EC1380CCF}" dt="2024-04-10T09:17:33.223" v="921" actId="26606"/>
+          <ac:cxnSpMkLst>
+            <pc:docMk/>
+            <pc:sldMk cId="3855317204" sldId="266"/>
+            <ac:cxnSpMk id="8" creationId="{D891E407-403B-4764-86C9-33A56D3BCAA3}"/>
+          </ac:cxnSpMkLst>
+        </pc:cxnChg>
+        <pc:cxnChg chg="add del">
+          <ac:chgData name="Laurens Segaar" userId="6597c8b0-9d96-46da-b457-1ed6f1789e93" providerId="ADAL" clId="{6C9F1E4A-79EF-4A03-A32E-1C6EC1380CCF}" dt="2024-04-10T09:14:46.757" v="896" actId="26606"/>
+          <ac:cxnSpMkLst>
+            <pc:docMk/>
+            <pc:sldMk cId="3855317204" sldId="266"/>
+            <ac:cxnSpMk id="11" creationId="{AA2EAA10-076F-46BD-8F0F-B9A2FB77A85C}"/>
+          </ac:cxnSpMkLst>
+        </pc:cxnChg>
+        <pc:cxnChg chg="add del">
+          <ac:chgData name="Laurens Segaar" userId="6597c8b0-9d96-46da-b457-1ed6f1789e93" providerId="ADAL" clId="{6C9F1E4A-79EF-4A03-A32E-1C6EC1380CCF}" dt="2024-04-10T09:14:46.757" v="896" actId="26606"/>
+          <ac:cxnSpMkLst>
+            <pc:docMk/>
+            <pc:sldMk cId="3855317204" sldId="266"/>
+            <ac:cxnSpMk id="13" creationId="{D891E407-403B-4764-86C9-33A56D3BCAA3}"/>
+          </ac:cxnSpMkLst>
+        </pc:cxnChg>
+      </pc:sldChg>
+      <pc:sldChg chg="addSp modSp new mod modTransition">
+        <pc:chgData name="Laurens Segaar" userId="6597c8b0-9d96-46da-b457-1ed6f1789e93" providerId="ADAL" clId="{6C9F1E4A-79EF-4A03-A32E-1C6EC1380CCF}" dt="2024-04-10T09:20:08.619" v="937"/>
+        <pc:sldMkLst>
+          <pc:docMk/>
+          <pc:sldMk cId="3091831353" sldId="267"/>
+        </pc:sldMkLst>
+        <pc:picChg chg="add mod ord modCrop">
+          <ac:chgData name="Laurens Segaar" userId="6597c8b0-9d96-46da-b457-1ed6f1789e93" providerId="ADAL" clId="{6C9F1E4A-79EF-4A03-A32E-1C6EC1380CCF}" dt="2024-04-10T09:19:54.597" v="934" actId="167"/>
+          <ac:picMkLst>
+            <pc:docMk/>
+            <pc:sldMk cId="3091831353" sldId="267"/>
+            <ac:picMk id="4" creationId="{1BA1EAE5-D3F3-5337-2A05-000AF24990FE}"/>
+          </ac:picMkLst>
+        </pc:picChg>
+      </pc:sldChg>
+      <pc:sldChg chg="addSp delSp modSp new mod modTransition modAnim">
+        <pc:chgData name="Laurens Segaar" userId="6597c8b0-9d96-46da-b457-1ed6f1789e93" providerId="ADAL" clId="{6C9F1E4A-79EF-4A03-A32E-1C6EC1380CCF}" dt="2024-04-11T08:49:31.034" v="1207"/>
+        <pc:sldMkLst>
+          <pc:docMk/>
+          <pc:sldMk cId="3662005302" sldId="268"/>
+        </pc:sldMkLst>
+        <pc:spChg chg="mod">
+          <ac:chgData name="Laurens Segaar" userId="6597c8b0-9d96-46da-b457-1ed6f1789e93" providerId="ADAL" clId="{6C9F1E4A-79EF-4A03-A32E-1C6EC1380CCF}" dt="2024-04-10T09:21:43.852" v="949" actId="207"/>
+          <ac:spMkLst>
+            <pc:docMk/>
+            <pc:sldMk cId="3662005302" sldId="268"/>
+            <ac:spMk id="2" creationId="{0C747911-F951-CCD5-8DFA-B7AA65120580}"/>
+          </ac:spMkLst>
+        </pc:spChg>
+        <pc:spChg chg="del">
+          <ac:chgData name="Laurens Segaar" userId="6597c8b0-9d96-46da-b457-1ed6f1789e93" providerId="ADAL" clId="{6C9F1E4A-79EF-4A03-A32E-1C6EC1380CCF}" dt="2024-04-10T09:21:27.102" v="943" actId="478"/>
+          <ac:spMkLst>
+            <pc:docMk/>
+            <pc:sldMk cId="3662005302" sldId="268"/>
+            <ac:spMk id="3" creationId="{61CCBA78-0F7D-FD60-D194-F08DCAC7ACAC}"/>
+          </ac:spMkLst>
+        </pc:spChg>
+        <pc:picChg chg="add mod ord modCrop">
+          <ac:chgData name="Laurens Segaar" userId="6597c8b0-9d96-46da-b457-1ed6f1789e93" providerId="ADAL" clId="{6C9F1E4A-79EF-4A03-A32E-1C6EC1380CCF}" dt="2024-04-10T09:42:59.605" v="995" actId="1076"/>
+          <ac:picMkLst>
+            <pc:docMk/>
+            <pc:sldMk cId="3662005302" sldId="268"/>
+            <ac:picMk id="4" creationId="{ECB29CB1-AF10-3889-7BD1-490178D98C58}"/>
+          </ac:picMkLst>
+        </pc:picChg>
+        <pc:picChg chg="add mod ord">
+          <ac:chgData name="Laurens Segaar" userId="6597c8b0-9d96-46da-b457-1ed6f1789e93" providerId="ADAL" clId="{6C9F1E4A-79EF-4A03-A32E-1C6EC1380CCF}" dt="2024-04-10T09:39:34.269" v="968" actId="167"/>
+          <ac:picMkLst>
+            <pc:docMk/>
+            <pc:sldMk cId="3662005302" sldId="268"/>
+            <ac:picMk id="6" creationId="{23C71EA6-2593-7989-08B8-325EB2D46188}"/>
+          </ac:picMkLst>
+        </pc:picChg>
+      </pc:sldChg>
+      <pc:sldChg chg="addSp delSp modSp new mod modTransition modAnim">
+        <pc:chgData name="Laurens Segaar" userId="6597c8b0-9d96-46da-b457-1ed6f1789e93" providerId="ADAL" clId="{6C9F1E4A-79EF-4A03-A32E-1C6EC1380CCF}" dt="2024-04-11T08:51:35.794" v="1215"/>
+        <pc:sldMkLst>
+          <pc:docMk/>
+          <pc:sldMk cId="401578454" sldId="269"/>
+        </pc:sldMkLst>
+        <pc:spChg chg="mod">
+          <ac:chgData name="Laurens Segaar" userId="6597c8b0-9d96-46da-b457-1ed6f1789e93" providerId="ADAL" clId="{6C9F1E4A-79EF-4A03-A32E-1C6EC1380CCF}" dt="2024-04-10T09:52:44.742" v="1027" actId="207"/>
+          <ac:spMkLst>
+            <pc:docMk/>
+            <pc:sldMk cId="401578454" sldId="269"/>
+            <ac:spMk id="2" creationId="{D0D87ABB-40B8-6016-DB15-B6368F585F46}"/>
+          </ac:spMkLst>
+        </pc:spChg>
+        <pc:spChg chg="del mod">
+          <ac:chgData name="Laurens Segaar" userId="6597c8b0-9d96-46da-b457-1ed6f1789e93" providerId="ADAL" clId="{6C9F1E4A-79EF-4A03-A32E-1C6EC1380CCF}" dt="2024-04-10T09:51:06.480" v="1009"/>
+          <ac:spMkLst>
+            <pc:docMk/>
+            <pc:sldMk cId="401578454" sldId="269"/>
+            <ac:spMk id="3" creationId="{D8273246-668C-455B-23C0-164D42116827}"/>
+          </ac:spMkLst>
+        </pc:spChg>
+        <pc:spChg chg="add del mod">
+          <ac:chgData name="Laurens Segaar" userId="6597c8b0-9d96-46da-b457-1ed6f1789e93" providerId="ADAL" clId="{6C9F1E4A-79EF-4A03-A32E-1C6EC1380CCF}" dt="2024-04-10T09:53:45.400" v="1031"/>
+          <ac:spMkLst>
+            <pc:docMk/>
+            <pc:sldMk cId="401578454" sldId="269"/>
+            <ac:spMk id="6" creationId="{80CBEBE6-2434-07BF-E822-1544C7151DD2}"/>
+          </ac:spMkLst>
+        </pc:spChg>
+        <pc:picChg chg="add del mod ord">
+          <ac:chgData name="Laurens Segaar" userId="6597c8b0-9d96-46da-b457-1ed6f1789e93" providerId="ADAL" clId="{6C9F1E4A-79EF-4A03-A32E-1C6EC1380CCF}" dt="2024-04-10T09:51:32.711" v="1018" actId="478"/>
+          <ac:picMkLst>
+            <pc:docMk/>
+            <pc:sldMk cId="401578454" sldId="269"/>
+            <ac:picMk id="4" creationId="{AF5F4001-C6E5-B53C-8C61-B49E75315BA3}"/>
+          </ac:picMkLst>
+        </pc:picChg>
+        <pc:picChg chg="add mod ord">
+          <ac:chgData name="Laurens Segaar" userId="6597c8b0-9d96-46da-b457-1ed6f1789e93" providerId="ADAL" clId="{6C9F1E4A-79EF-4A03-A32E-1C6EC1380CCF}" dt="2024-04-10T09:52:28.742" v="1021" actId="167"/>
+          <ac:picMkLst>
+            <pc:docMk/>
+            <pc:sldMk cId="401578454" sldId="269"/>
+            <ac:picMk id="7" creationId="{AE57B8C4-9BFA-76D7-7CF7-44BF123B3AC0}"/>
+          </ac:picMkLst>
+        </pc:picChg>
+        <pc:picChg chg="add mod">
+          <ac:chgData name="Laurens Segaar" userId="6597c8b0-9d96-46da-b457-1ed6f1789e93" providerId="ADAL" clId="{6C9F1E4A-79EF-4A03-A32E-1C6EC1380CCF}" dt="2024-04-11T08:47:47.092" v="1190" actId="1076"/>
+          <ac:picMkLst>
+            <pc:docMk/>
+            <pc:sldMk cId="401578454" sldId="269"/>
+            <ac:picMk id="8" creationId="{E37FF2F9-AD6B-912D-2AB9-B092283C8107}"/>
+          </ac:picMkLst>
+        </pc:picChg>
+      </pc:sldChg>
+      <pc:sldChg chg="modSp new del mod ord">
+        <pc:chgData name="Laurens Segaar" userId="6597c8b0-9d96-46da-b457-1ed6f1789e93" providerId="ADAL" clId="{6C9F1E4A-79EF-4A03-A32E-1C6EC1380CCF}" dt="2024-04-11T08:42:34.597" v="1091" actId="2696"/>
+        <pc:sldMkLst>
+          <pc:docMk/>
+          <pc:sldMk cId="2651349803" sldId="270"/>
+        </pc:sldMkLst>
+        <pc:spChg chg="mod">
+          <ac:chgData name="Laurens Segaar" userId="6597c8b0-9d96-46da-b457-1ed6f1789e93" providerId="ADAL" clId="{6C9F1E4A-79EF-4A03-A32E-1C6EC1380CCF}" dt="2024-04-11T08:42:05.238" v="1089"/>
+          <ac:spMkLst>
+            <pc:docMk/>
+            <pc:sldMk cId="2651349803" sldId="270"/>
+            <ac:spMk id="2" creationId="{C9DDF8E9-781B-89DB-0A52-7AEB0A2CB9CB}"/>
+          </ac:spMkLst>
+        </pc:spChg>
+      </pc:sldChg>
+      <pc:sldChg chg="modSp add mod modTransition">
+        <pc:chgData name="Laurens Segaar" userId="6597c8b0-9d96-46da-b457-1ed6f1789e93" providerId="ADAL" clId="{6C9F1E4A-79EF-4A03-A32E-1C6EC1380CCF}" dt="2024-04-11T08:44:38.880" v="1156"/>
+        <pc:sldMkLst>
+          <pc:docMk/>
+          <pc:sldMk cId="2457466727" sldId="271"/>
+        </pc:sldMkLst>
+        <pc:spChg chg="mod">
+          <ac:chgData name="Laurens Segaar" userId="6597c8b0-9d96-46da-b457-1ed6f1789e93" providerId="ADAL" clId="{6C9F1E4A-79EF-4A03-A32E-1C6EC1380CCF}" dt="2024-04-11T08:43:38.536" v="1143" actId="6549"/>
+          <ac:spMkLst>
+            <pc:docMk/>
+            <pc:sldMk cId="2457466727" sldId="271"/>
+            <ac:spMk id="3" creationId="{9FDC649C-6451-97C1-C589-D7A104BB8FBB}"/>
+          </ac:spMkLst>
+        </pc:spChg>
+      </pc:sldChg>
+      <pc:sldChg chg="new del">
+        <pc:chgData name="Laurens Segaar" userId="6597c8b0-9d96-46da-b457-1ed6f1789e93" providerId="ADAL" clId="{6C9F1E4A-79EF-4A03-A32E-1C6EC1380CCF}" dt="2024-04-11T08:59:32.614" v="1226" actId="680"/>
+        <pc:sldMkLst>
+          <pc:docMk/>
+          <pc:sldMk cId="391109173" sldId="272"/>
+        </pc:sldMkLst>
+      </pc:sldChg>
+      <pc:sldChg chg="addSp delSp modSp new mod ord setBg">
+        <pc:chgData name="Laurens Segaar" userId="6597c8b0-9d96-46da-b457-1ed6f1789e93" providerId="ADAL" clId="{6C9F1E4A-79EF-4A03-A32E-1C6EC1380CCF}" dt="2024-04-11T09:05:51.012" v="1252" actId="26606"/>
+        <pc:sldMkLst>
+          <pc:docMk/>
+          <pc:sldMk cId="1446678800" sldId="272"/>
+        </pc:sldMkLst>
+        <pc:spChg chg="mod ord">
+          <ac:chgData name="Laurens Segaar" userId="6597c8b0-9d96-46da-b457-1ed6f1789e93" providerId="ADAL" clId="{6C9F1E4A-79EF-4A03-A32E-1C6EC1380CCF}" dt="2024-04-11T09:05:51.012" v="1252" actId="26606"/>
+          <ac:spMkLst>
+            <pc:docMk/>
+            <pc:sldMk cId="1446678800" sldId="272"/>
+            <ac:spMk id="2" creationId="{9FF08680-E647-9932-210D-42AD48299AAE}"/>
+          </ac:spMkLst>
+        </pc:spChg>
+        <pc:spChg chg="del mod">
+          <ac:chgData name="Laurens Segaar" userId="6597c8b0-9d96-46da-b457-1ed6f1789e93" providerId="ADAL" clId="{6C9F1E4A-79EF-4A03-A32E-1C6EC1380CCF}" dt="2024-04-11T09:03:58.035" v="1241" actId="478"/>
+          <ac:spMkLst>
+            <pc:docMk/>
+            <pc:sldMk cId="1446678800" sldId="272"/>
+            <ac:spMk id="3" creationId="{023BD83D-55C5-73D7-25FE-1E9C3755F1B3}"/>
+          </ac:spMkLst>
+        </pc:spChg>
+        <pc:spChg chg="add">
+          <ac:chgData name="Laurens Segaar" userId="6597c8b0-9d96-46da-b457-1ed6f1789e93" providerId="ADAL" clId="{6C9F1E4A-79EF-4A03-A32E-1C6EC1380CCF}" dt="2024-04-11T09:05:51.012" v="1252" actId="26606"/>
+          <ac:spMkLst>
+            <pc:docMk/>
+            <pc:sldMk cId="1446678800" sldId="272"/>
+            <ac:spMk id="1031" creationId="{C1DD1A8A-57D5-4A81-AD04-532B043C5611}"/>
+          </ac:spMkLst>
+        </pc:spChg>
+        <pc:spChg chg="add">
+          <ac:chgData name="Laurens Segaar" userId="6597c8b0-9d96-46da-b457-1ed6f1789e93" providerId="ADAL" clId="{6C9F1E4A-79EF-4A03-A32E-1C6EC1380CCF}" dt="2024-04-11T09:05:51.012" v="1252" actId="26606"/>
+          <ac:spMkLst>
+            <pc:docMk/>
+            <pc:sldMk cId="1446678800" sldId="272"/>
+            <ac:spMk id="1033" creationId="{007891EC-4501-44ED-A8C8-B11B6DB767AB}"/>
+          </ac:spMkLst>
+        </pc:spChg>
+        <pc:picChg chg="add mod">
+          <ac:chgData name="Laurens Segaar" userId="6597c8b0-9d96-46da-b457-1ed6f1789e93" providerId="ADAL" clId="{6C9F1E4A-79EF-4A03-A32E-1C6EC1380CCF}" dt="2024-04-11T09:05:51.012" v="1252" actId="26606"/>
+          <ac:picMkLst>
+            <pc:docMk/>
+            <pc:sldMk cId="1446678800" sldId="272"/>
+            <ac:picMk id="1026" creationId="{86C60DD1-E52F-0FE6-DF26-36643E1B0D24}"/>
+          </ac:picMkLst>
+        </pc:picChg>
       </pc:sldChg>
     </pc:docChg>
   </pc:docChgLst>
@@ -448,7 +1172,7 @@
           <a:p>
             <a:fld id="{15E44AE7-E674-4CA4-85EC-AECEE091D385}" type="datetimeFigureOut">
               <a:rPr lang="nl-NL" smtClean="0"/>
-              <a:t>28-3-2024</a:t>
+              <a:t>11-4-2024</a:t>
             </a:fld>
             <a:endParaRPr lang="nl-NL"/>
           </a:p>
@@ -646,7 +1370,7 @@
           <a:p>
             <a:fld id="{15E44AE7-E674-4CA4-85EC-AECEE091D385}" type="datetimeFigureOut">
               <a:rPr lang="nl-NL" smtClean="0"/>
-              <a:t>28-3-2024</a:t>
+              <a:t>11-4-2024</a:t>
             </a:fld>
             <a:endParaRPr lang="nl-NL"/>
           </a:p>
@@ -854,7 +1578,7 @@
           <a:p>
             <a:fld id="{15E44AE7-E674-4CA4-85EC-AECEE091D385}" type="datetimeFigureOut">
               <a:rPr lang="nl-NL" smtClean="0"/>
-              <a:t>28-3-2024</a:t>
+              <a:t>11-4-2024</a:t>
             </a:fld>
             <a:endParaRPr lang="nl-NL"/>
           </a:p>
@@ -1052,7 +1776,7 @@
           <a:p>
             <a:fld id="{15E44AE7-E674-4CA4-85EC-AECEE091D385}" type="datetimeFigureOut">
               <a:rPr lang="nl-NL" smtClean="0"/>
-              <a:t>28-3-2024</a:t>
+              <a:t>11-4-2024</a:t>
             </a:fld>
             <a:endParaRPr lang="nl-NL"/>
           </a:p>
@@ -1327,7 +2051,7 @@
           <a:p>
             <a:fld id="{15E44AE7-E674-4CA4-85EC-AECEE091D385}" type="datetimeFigureOut">
               <a:rPr lang="nl-NL" smtClean="0"/>
-              <a:t>28-3-2024</a:t>
+              <a:t>11-4-2024</a:t>
             </a:fld>
             <a:endParaRPr lang="nl-NL"/>
           </a:p>
@@ -1592,7 +2316,7 @@
           <a:p>
             <a:fld id="{15E44AE7-E674-4CA4-85EC-AECEE091D385}" type="datetimeFigureOut">
               <a:rPr lang="nl-NL" smtClean="0"/>
-              <a:t>28-3-2024</a:t>
+              <a:t>11-4-2024</a:t>
             </a:fld>
             <a:endParaRPr lang="nl-NL"/>
           </a:p>
@@ -2004,7 +2728,7 @@
           <a:p>
             <a:fld id="{15E44AE7-E674-4CA4-85EC-AECEE091D385}" type="datetimeFigureOut">
               <a:rPr lang="nl-NL" smtClean="0"/>
-              <a:t>28-3-2024</a:t>
+              <a:t>11-4-2024</a:t>
             </a:fld>
             <a:endParaRPr lang="nl-NL"/>
           </a:p>
@@ -2145,7 +2869,7 @@
           <a:p>
             <a:fld id="{15E44AE7-E674-4CA4-85EC-AECEE091D385}" type="datetimeFigureOut">
               <a:rPr lang="nl-NL" smtClean="0"/>
-              <a:t>28-3-2024</a:t>
+              <a:t>11-4-2024</a:t>
             </a:fld>
             <a:endParaRPr lang="nl-NL"/>
           </a:p>
@@ -2258,7 +2982,7 @@
           <a:p>
             <a:fld id="{15E44AE7-E674-4CA4-85EC-AECEE091D385}" type="datetimeFigureOut">
               <a:rPr lang="nl-NL" smtClean="0"/>
-              <a:t>28-3-2024</a:t>
+              <a:t>11-4-2024</a:t>
             </a:fld>
             <a:endParaRPr lang="nl-NL"/>
           </a:p>
@@ -2569,7 +3293,7 @@
           <a:p>
             <a:fld id="{15E44AE7-E674-4CA4-85EC-AECEE091D385}" type="datetimeFigureOut">
               <a:rPr lang="nl-NL" smtClean="0"/>
-              <a:t>28-3-2024</a:t>
+              <a:t>11-4-2024</a:t>
             </a:fld>
             <a:endParaRPr lang="nl-NL"/>
           </a:p>
@@ -2857,7 +3581,7 @@
           <a:p>
             <a:fld id="{15E44AE7-E674-4CA4-85EC-AECEE091D385}" type="datetimeFigureOut">
               <a:rPr lang="nl-NL" smtClean="0"/>
-              <a:t>28-3-2024</a:t>
+              <a:t>11-4-2024</a:t>
             </a:fld>
             <a:endParaRPr lang="nl-NL"/>
           </a:p>
@@ -3098,7 +3822,7 @@
           <a:p>
             <a:fld id="{15E44AE7-E674-4CA4-85EC-AECEE091D385}" type="datetimeFigureOut">
               <a:rPr lang="nl-NL" smtClean="0"/>
-              <a:t>28-3-2024</a:t>
+              <a:t>11-4-2024</a:t>
             </a:fld>
             <a:endParaRPr lang="nl-NL"/>
           </a:p>
@@ -3501,156 +4225,6 @@
 <file path=ppt/slides/slide1.xml><?xml version="1.0" encoding="utf-8"?>
 <p:sld xmlns:a="http://schemas.openxmlformats.org/drawingml/2006/main" xmlns:r="http://schemas.openxmlformats.org/officeDocument/2006/relationships" xmlns:p="http://schemas.openxmlformats.org/presentationml/2006/main">
   <p:cSld>
-    <p:spTree>
-      <p:nvGrpSpPr>
-        <p:cNvPr id="1" name=""/>
-        <p:cNvGrpSpPr/>
-        <p:nvPr/>
-      </p:nvGrpSpPr>
-      <p:grpSpPr>
-        <a:xfrm>
-          <a:off x="0" y="0"/>
-          <a:ext cx="0" cy="0"/>
-          <a:chOff x="0" y="0"/>
-          <a:chExt cx="0" cy="0"/>
-        </a:xfrm>
-      </p:grpSpPr>
-      <p:pic>
-        <p:nvPicPr>
-          <p:cNvPr id="6" name="Afbeelding 5" descr="Afbeelding met wiel, voertuig, sportwagen, Landvoertuig&#10;&#10;Automatisch gegenereerde beschrijving">
-            <a:extLst>
-              <a:ext uri="{FF2B5EF4-FFF2-40B4-BE49-F238E27FC236}">
-                <a16:creationId xmlns:a16="http://schemas.microsoft.com/office/drawing/2014/main" id="{477CAE62-84E7-7762-CDED-06F77F9CE6EE}"/>
-              </a:ext>
-            </a:extLst>
-          </p:cNvPr>
-          <p:cNvPicPr>
-            <a:picLocks noChangeAspect="1"/>
-          </p:cNvPicPr>
-          <p:nvPr/>
-        </p:nvPicPr>
-        <p:blipFill>
-          <a:blip r:embed="rId2">
-            <a:extLst>
-              <a:ext uri="{28A0092B-C50C-407E-A947-70E740481C1C}">
-                <a14:useLocalDpi xmlns:a14="http://schemas.microsoft.com/office/drawing/2010/main" val="0"/>
-              </a:ext>
-            </a:extLst>
-          </a:blip>
-          <a:stretch>
-            <a:fillRect/>
-          </a:stretch>
-        </p:blipFill>
-        <p:spPr>
-          <a:xfrm>
-            <a:off x="1" y="-543294"/>
-            <a:ext cx="12206840" cy="8137893"/>
-          </a:xfrm>
-          <a:prstGeom prst="rect">
-            <a:avLst/>
-          </a:prstGeom>
-        </p:spPr>
-      </p:pic>
-      <p:sp>
-        <p:nvSpPr>
-          <p:cNvPr id="2" name="Titel 1">
-            <a:extLst>
-              <a:ext uri="{FF2B5EF4-FFF2-40B4-BE49-F238E27FC236}">
-                <a16:creationId xmlns:a16="http://schemas.microsoft.com/office/drawing/2014/main" id="{88F729BA-BA54-3C12-5C03-2A8F940F281C}"/>
-              </a:ext>
-            </a:extLst>
-          </p:cNvPr>
-          <p:cNvSpPr>
-            <a:spLocks noGrp="1"/>
-          </p:cNvSpPr>
-          <p:nvPr>
-            <p:ph type="ctrTitle"/>
-          </p:nvPr>
-        </p:nvSpPr>
-        <p:spPr/>
-        <p:txBody>
-          <a:bodyPr/>
-          <a:lstStyle/>
-          <a:p>
-            <a:r>
-              <a:rPr lang="nl-NL" dirty="0">
-                <a:solidFill>
-                  <a:schemeClr val="bg1"/>
-                </a:solidFill>
-                <a:effectLst>
-                  <a:outerShdw blurRad="38100" dist="38100" dir="2700000" algn="tl">
-                    <a:srgbClr val="000000">
-                      <a:alpha val="43137"/>
-                    </a:srgbClr>
-                  </a:outerShdw>
-                </a:effectLst>
-              </a:rPr>
-              <a:t>Rc auto</a:t>
-            </a:r>
-          </a:p>
-        </p:txBody>
-      </p:sp>
-      <p:sp>
-        <p:nvSpPr>
-          <p:cNvPr id="4" name="AutoShape 4" descr="Traxxas 1/7 XO-1 Electric Brushless 4WD RC Supercar | 64077-3">
-            <a:extLst>
-              <a:ext uri="{FF2B5EF4-FFF2-40B4-BE49-F238E27FC236}">
-                <a16:creationId xmlns:a16="http://schemas.microsoft.com/office/drawing/2014/main" id="{EEB0F7B2-B679-B0D8-342F-FA19E4CCBAD6}"/>
-              </a:ext>
-            </a:extLst>
-          </p:cNvPr>
-          <p:cNvSpPr>
-            <a:spLocks noChangeAspect="1" noChangeArrowheads="1"/>
-          </p:cNvSpPr>
-          <p:nvPr/>
-        </p:nvSpPr>
-        <p:spPr bwMode="auto">
-          <a:xfrm>
-            <a:off x="5943600" y="3276600"/>
-            <a:ext cx="304800" cy="304800"/>
-          </a:xfrm>
-          <a:prstGeom prst="rect">
-            <a:avLst/>
-          </a:prstGeom>
-          <a:noFill/>
-          <a:extLst>
-            <a:ext uri="{909E8E84-426E-40DD-AFC4-6F175D3DCCD1}">
-              <a14:hiddenFill xmlns:a14="http://schemas.microsoft.com/office/drawing/2010/main">
-                <a:solidFill>
-                  <a:srgbClr val="FFFFFF"/>
-                </a:solidFill>
-              </a14:hiddenFill>
-            </a:ext>
-          </a:extLst>
-        </p:spPr>
-        <p:txBody>
-          <a:bodyPr vert="horz" wrap="square" lIns="91440" tIns="45720" rIns="91440" bIns="45720" numCol="1" anchor="t" anchorCtr="0" compatLnSpc="1">
-            <a:prstTxWarp prst="textNoShape">
-              <a:avLst/>
-            </a:prstTxWarp>
-          </a:bodyPr>
-          <a:lstStyle/>
-          <a:p>
-            <a:endParaRPr lang="nl-NL"/>
-          </a:p>
-        </p:txBody>
-      </p:sp>
-    </p:spTree>
-    <p:extLst>
-      <p:ext uri="{BB962C8B-B14F-4D97-AF65-F5344CB8AC3E}">
-        <p14:creationId xmlns:p14="http://schemas.microsoft.com/office/powerpoint/2010/main" val="4068791116"/>
-      </p:ext>
-    </p:extLst>
-  </p:cSld>
-  <p:clrMapOvr>
-    <a:masterClrMapping/>
-  </p:clrMapOvr>
-</p:sld>
-</file>
-
-<file path=ppt/slides/slide2.xml><?xml version="1.0" encoding="utf-8"?>
-<p:sld xmlns:a="http://schemas.openxmlformats.org/drawingml/2006/main" xmlns:r="http://schemas.openxmlformats.org/officeDocument/2006/relationships" xmlns:p="http://schemas.openxmlformats.org/presentationml/2006/main">
-  <p:cSld>
     <p:bg>
       <p:bgPr>
         <a:solidFill>
@@ -3675,10 +4249,10 @@
       </p:grpSpPr>
       <p:sp useBgFill="1">
         <p:nvSpPr>
-          <p:cNvPr id="9" name="Rectangle 8">
-            <a:extLst>
-              <a:ext uri="{FF2B5EF4-FFF2-40B4-BE49-F238E27FC236}">
-                <a16:creationId xmlns:a16="http://schemas.microsoft.com/office/drawing/2014/main" id="{ECC07320-C2CA-4E29-8481-9D9E143C7788}"/>
+          <p:cNvPr id="1031" name="Rectangle 1030">
+            <a:extLst>
+              <a:ext uri="{FF2B5EF4-FFF2-40B4-BE49-F238E27FC236}">
+                <a16:creationId xmlns:a16="http://schemas.microsoft.com/office/drawing/2014/main" id="{C1DD1A8A-57D5-4A81-AD04-532B043C5611}"/>
               </a:ext>
               <a:ext uri="{C183D7F6-B498-43B3-948B-1728B52AA6E4}">
                 <adec:decorative xmlns:adec="http://schemas.microsoft.com/office/drawing/2017/decorative" val="1"/>
@@ -3735,10 +4309,1063 @@
       </p:sp>
       <p:pic>
         <p:nvPicPr>
+          <p:cNvPr id="1026" name="Picture 2" descr="Wie ben ik eigenlijk? - Na Deze 5 Adviezen Kom Jij Hier Achter!">
+            <a:extLst>
+              <a:ext uri="{FF2B5EF4-FFF2-40B4-BE49-F238E27FC236}">
+                <a16:creationId xmlns:a16="http://schemas.microsoft.com/office/drawing/2014/main" id="{86C60DD1-E52F-0FE6-DF26-36643E1B0D24}"/>
+              </a:ext>
+            </a:extLst>
+          </p:cNvPr>
+          <p:cNvPicPr>
+            <a:picLocks noChangeAspect="1" noChangeArrowheads="1"/>
+          </p:cNvPicPr>
+          <p:nvPr/>
+        </p:nvPicPr>
+        <p:blipFill rotWithShape="1">
+          <a:blip r:embed="rId2">
+            <a:extLst>
+              <a:ext uri="{28A0092B-C50C-407E-A947-70E740481C1C}">
+                <a14:useLocalDpi xmlns:a14="http://schemas.microsoft.com/office/drawing/2010/main" val="0"/>
+              </a:ext>
+            </a:extLst>
+          </a:blip>
+          <a:srcRect t="19277" b="17698"/>
+          <a:stretch/>
+        </p:blipFill>
+        <p:spPr bwMode="auto">
+          <a:xfrm>
+            <a:off x="-3047" y="10"/>
+            <a:ext cx="12191999" cy="6857990"/>
+          </a:xfrm>
+          <a:prstGeom prst="rect">
+            <a:avLst/>
+          </a:prstGeom>
+          <a:noFill/>
+          <a:extLst>
+            <a:ext uri="{909E8E84-426E-40DD-AFC4-6F175D3DCCD1}">
+              <a14:hiddenFill xmlns:a14="http://schemas.microsoft.com/office/drawing/2010/main">
+                <a:solidFill>
+                  <a:srgbClr val="FFFFFF"/>
+                </a:solidFill>
+              </a14:hiddenFill>
+            </a:ext>
+          </a:extLst>
+        </p:spPr>
+      </p:pic>
+      <p:sp>
+        <p:nvSpPr>
+          <p:cNvPr id="1033" name="Rectangle 1032">
+            <a:extLst>
+              <a:ext uri="{FF2B5EF4-FFF2-40B4-BE49-F238E27FC236}">
+                <a16:creationId xmlns:a16="http://schemas.microsoft.com/office/drawing/2014/main" id="{007891EC-4501-44ED-A8C8-B11B6DB767AB}"/>
+              </a:ext>
+              <a:ext uri="{C183D7F6-B498-43B3-948B-1728B52AA6E4}">
+                <adec:decorative xmlns:adec="http://schemas.microsoft.com/office/drawing/2017/decorative" val="1"/>
+              </a:ext>
+            </a:extLst>
+          </p:cNvPr>
+          <p:cNvSpPr>
+            <a:spLocks noGrp="1" noRot="1" noChangeAspect="1" noMove="1" noResize="1" noEditPoints="1" noAdjustHandles="1" noChangeArrowheads="1" noChangeShapeType="1" noTextEdit="1"/>
+          </p:cNvSpPr>
+          <p:nvPr>
+            <p:extLst>
+              <p:ext uri="{386F3935-93C4-4BCD-93E2-E3B085C9AB24}">
+                <p16:designElem xmlns:p16="http://schemas.microsoft.com/office/powerpoint/2015/main" val="1"/>
+              </p:ext>
+            </p:extLst>
+          </p:nvPr>
+        </p:nvSpPr>
+        <p:spPr>
+          <a:xfrm>
+            <a:off x="0" y="2207602"/>
+            <a:ext cx="12191999" cy="3162146"/>
+          </a:xfrm>
+          <a:prstGeom prst="rect">
+            <a:avLst/>
+          </a:prstGeom>
+          <a:gradFill flip="none" rotWithShape="1">
+            <a:gsLst>
+              <a:gs pos="0">
+                <a:srgbClr val="000000">
+                  <a:alpha val="0"/>
+                </a:srgbClr>
+              </a:gs>
+              <a:gs pos="25000">
+                <a:srgbClr val="000000">
+                  <a:alpha val="15000"/>
+                </a:srgbClr>
+              </a:gs>
+              <a:gs pos="75000">
+                <a:srgbClr val="000000">
+                  <a:alpha val="15000"/>
+                </a:srgbClr>
+              </a:gs>
+              <a:gs pos="50000">
+                <a:srgbClr val="000000">
+                  <a:alpha val="30000"/>
+                </a:srgbClr>
+              </a:gs>
+              <a:gs pos="100000">
+                <a:srgbClr val="000000">
+                  <a:alpha val="0"/>
+                </a:srgbClr>
+              </a:gs>
+            </a:gsLst>
+            <a:lin ang="16200000" scaled="1"/>
+            <a:tileRect/>
+          </a:gradFill>
+          <a:ln>
+            <a:noFill/>
+          </a:ln>
+        </p:spPr>
+        <p:style>
+          <a:lnRef idx="2">
+            <a:schemeClr val="accent1">
+              <a:shade val="50000"/>
+            </a:schemeClr>
+          </a:lnRef>
+          <a:fillRef idx="1">
+            <a:schemeClr val="accent1"/>
+          </a:fillRef>
+          <a:effectRef idx="0">
+            <a:schemeClr val="accent1"/>
+          </a:effectRef>
+          <a:fontRef idx="minor">
+            <a:schemeClr val="lt1"/>
+          </a:fontRef>
+        </p:style>
+        <p:txBody>
+          <a:bodyPr rtlCol="0" anchor="ctr"/>
+          <a:lstStyle/>
+          <a:p>
+            <a:pPr algn="ctr"/>
+            <a:endParaRPr lang="en-US"/>
+          </a:p>
+        </p:txBody>
+      </p:sp>
+      <p:sp>
+        <p:nvSpPr>
+          <p:cNvPr id="2" name="Titel 1">
+            <a:extLst>
+              <a:ext uri="{FF2B5EF4-FFF2-40B4-BE49-F238E27FC236}">
+                <a16:creationId xmlns:a16="http://schemas.microsoft.com/office/drawing/2014/main" id="{9FF08680-E647-9932-210D-42AD48299AAE}"/>
+              </a:ext>
+            </a:extLst>
+          </p:cNvPr>
+          <p:cNvSpPr>
+            <a:spLocks noGrp="1"/>
+          </p:cNvSpPr>
+          <p:nvPr>
+            <p:ph type="title"/>
+          </p:nvPr>
+        </p:nvSpPr>
+        <p:spPr>
+          <a:xfrm>
+            <a:off x="1097280" y="325550"/>
+            <a:ext cx="10058400" cy="3574778"/>
+          </a:xfrm>
+          <a:effectLst>
+            <a:outerShdw blurRad="50800" dist="38100" dir="2700000" algn="tl" rotWithShape="0">
+              <a:prstClr val="black">
+                <a:alpha val="40000"/>
+              </a:prstClr>
+            </a:outerShdw>
+          </a:effectLst>
+        </p:spPr>
+        <p:txBody>
+          <a:bodyPr vert="horz" lIns="91440" tIns="45720" rIns="91440" bIns="45720" rtlCol="0" anchor="b">
+            <a:normAutofit/>
+          </a:bodyPr>
+          <a:lstStyle/>
+          <a:p>
+            <a:pPr algn="ctr"/>
+            <a:r>
+              <a:rPr lang="en-US" sz="5200">
+                <a:solidFill>
+                  <a:srgbClr val="FFFFFF"/>
+                </a:solidFill>
+              </a:rPr>
+              <a:t>Ik ben?</a:t>
+            </a:r>
+          </a:p>
+        </p:txBody>
+      </p:sp>
+    </p:spTree>
+    <p:extLst>
+      <p:ext uri="{BB962C8B-B14F-4D97-AF65-F5344CB8AC3E}">
+        <p14:creationId xmlns:p14="http://schemas.microsoft.com/office/powerpoint/2010/main" val="1446678800"/>
+      </p:ext>
+    </p:extLst>
+  </p:cSld>
+  <p:clrMapOvr>
+    <a:masterClrMapping/>
+  </p:clrMapOvr>
+</p:sld>
+</file>
+
+<file path=ppt/slides/slide10.xml><?xml version="1.0" encoding="utf-8"?>
+<p:sld xmlns:a="http://schemas.openxmlformats.org/drawingml/2006/main" xmlns:r="http://schemas.openxmlformats.org/officeDocument/2006/relationships" xmlns:p="http://schemas.openxmlformats.org/presentationml/2006/main">
+  <p:cSld>
+    <p:spTree>
+      <p:nvGrpSpPr>
+        <p:cNvPr id="1" name=""/>
+        <p:cNvGrpSpPr/>
+        <p:nvPr/>
+      </p:nvGrpSpPr>
+      <p:grpSpPr>
+        <a:xfrm>
+          <a:off x="0" y="0"/>
+          <a:ext cx="0" cy="0"/>
+          <a:chOff x="0" y="0"/>
+          <a:chExt cx="0" cy="0"/>
+        </a:xfrm>
+      </p:grpSpPr>
+      <p:sp>
+        <p:nvSpPr>
+          <p:cNvPr id="3" name="Tijdelijke aanduiding voor inhoud 2">
+            <a:extLst>
+              <a:ext uri="{FF2B5EF4-FFF2-40B4-BE49-F238E27FC236}">
+                <a16:creationId xmlns:a16="http://schemas.microsoft.com/office/drawing/2014/main" id="{9FDC649C-6451-97C1-C589-D7A104BB8FBB}"/>
+              </a:ext>
+            </a:extLst>
+          </p:cNvPr>
+          <p:cNvSpPr>
+            <a:spLocks noGrp="1"/>
+          </p:cNvSpPr>
+          <p:nvPr>
+            <p:ph idx="1"/>
+          </p:nvPr>
+        </p:nvSpPr>
+        <p:spPr/>
+        <p:txBody>
+          <a:bodyPr>
+            <a:normAutofit/>
+          </a:bodyPr>
+          <a:lstStyle/>
+          <a:p>
+            <a:pPr marL="0" indent="0" algn="ctr">
+              <a:buNone/>
+            </a:pPr>
+            <a:r>
+              <a:rPr lang="nl-NL" sz="4800" b="1" dirty="0"/>
+              <a:t>Verschil </a:t>
+            </a:r>
+            <a:r>
+              <a:rPr lang="nl-NL" sz="4800" b="1" dirty="0" err="1"/>
+              <a:t>Nitro</a:t>
+            </a:r>
+            <a:r>
+              <a:rPr lang="nl-NL" sz="4800" b="1" dirty="0"/>
+              <a:t> en Elektrisch</a:t>
+            </a:r>
+          </a:p>
+        </p:txBody>
+      </p:sp>
+    </p:spTree>
+    <p:extLst>
+      <p:ext uri="{BB962C8B-B14F-4D97-AF65-F5344CB8AC3E}">
+        <p14:creationId xmlns:p14="http://schemas.microsoft.com/office/powerpoint/2010/main" val="1226652928"/>
+      </p:ext>
+    </p:extLst>
+  </p:cSld>
+  <p:clrMapOvr>
+    <a:masterClrMapping/>
+  </p:clrMapOvr>
+  <mc:AlternateContent xmlns:mc="http://schemas.openxmlformats.org/markup-compatibility/2006">
+    <mc:Choice xmlns:p159="http://schemas.microsoft.com/office/powerpoint/2015/09/main" Requires="p159">
+      <p:transition spd="slow">
+        <p159:morph option="byObject"/>
+      </p:transition>
+    </mc:Choice>
+    <mc:Fallback>
+      <p:transition spd="slow">
+        <p:fade/>
+      </p:transition>
+    </mc:Fallback>
+  </mc:AlternateContent>
+</p:sld>
+</file>
+
+<file path=ppt/slides/slide11.xml><?xml version="1.0" encoding="utf-8"?>
+<p:sld xmlns:a="http://schemas.openxmlformats.org/drawingml/2006/main" xmlns:r="http://schemas.openxmlformats.org/officeDocument/2006/relationships" xmlns:p="http://schemas.openxmlformats.org/presentationml/2006/main">
+  <p:cSld>
+    <p:spTree>
+      <p:nvGrpSpPr>
+        <p:cNvPr id="1" name=""/>
+        <p:cNvGrpSpPr/>
+        <p:nvPr/>
+      </p:nvGrpSpPr>
+      <p:grpSpPr>
+        <a:xfrm>
+          <a:off x="0" y="0"/>
+          <a:ext cx="0" cy="0"/>
+          <a:chOff x="0" y="0"/>
+          <a:chExt cx="0" cy="0"/>
+        </a:xfrm>
+      </p:grpSpPr>
+      <p:sp>
+        <p:nvSpPr>
+          <p:cNvPr id="3" name="Tijdelijke aanduiding voor inhoud 2">
+            <a:extLst>
+              <a:ext uri="{FF2B5EF4-FFF2-40B4-BE49-F238E27FC236}">
+                <a16:creationId xmlns:a16="http://schemas.microsoft.com/office/drawing/2014/main" id="{9FDC649C-6451-97C1-C589-D7A104BB8FBB}"/>
+              </a:ext>
+            </a:extLst>
+          </p:cNvPr>
+          <p:cNvSpPr>
+            <a:spLocks noGrp="1"/>
+          </p:cNvSpPr>
+          <p:nvPr>
+            <p:ph idx="1"/>
+          </p:nvPr>
+        </p:nvSpPr>
+        <p:spPr/>
+        <p:txBody>
+          <a:bodyPr>
+            <a:normAutofit/>
+          </a:bodyPr>
+          <a:lstStyle/>
+          <a:p>
+            <a:pPr marL="0" indent="0" algn="ctr">
+              <a:buNone/>
+            </a:pPr>
+            <a:r>
+              <a:rPr lang="nl-NL" sz="4800" b="1" dirty="0" err="1"/>
+              <a:t>Nitro</a:t>
+            </a:r>
+            <a:endParaRPr lang="nl-NL" sz="4800" b="1" dirty="0"/>
+          </a:p>
+        </p:txBody>
+      </p:sp>
+    </p:spTree>
+    <p:extLst>
+      <p:ext uri="{BB962C8B-B14F-4D97-AF65-F5344CB8AC3E}">
+        <p14:creationId xmlns:p14="http://schemas.microsoft.com/office/powerpoint/2010/main" val="2457466727"/>
+      </p:ext>
+    </p:extLst>
+  </p:cSld>
+  <p:clrMapOvr>
+    <a:masterClrMapping/>
+  </p:clrMapOvr>
+  <mc:AlternateContent xmlns:mc="http://schemas.openxmlformats.org/markup-compatibility/2006">
+    <mc:Choice xmlns:p159="http://schemas.microsoft.com/office/powerpoint/2015/09/main" Requires="p159">
+      <p:transition xmlns:p14="http://schemas.microsoft.com/office/powerpoint/2010/main" p14:dur="250">
+        <p159:morph option="byObject"/>
+      </p:transition>
+    </mc:Choice>
+    <mc:Fallback>
+      <p:transition>
+        <p:fade/>
+      </p:transition>
+    </mc:Fallback>
+  </mc:AlternateContent>
+</p:sld>
+</file>
+
+<file path=ppt/slides/slide12.xml><?xml version="1.0" encoding="utf-8"?>
+<p:sld xmlns:a="http://schemas.openxmlformats.org/drawingml/2006/main" xmlns:r="http://schemas.openxmlformats.org/officeDocument/2006/relationships" xmlns:p="http://schemas.openxmlformats.org/presentationml/2006/main">
+  <p:cSld>
+    <p:spTree>
+      <p:nvGrpSpPr>
+        <p:cNvPr id="1" name=""/>
+        <p:cNvGrpSpPr/>
+        <p:nvPr/>
+      </p:nvGrpSpPr>
+      <p:grpSpPr>
+        <a:xfrm>
+          <a:off x="0" y="0"/>
+          <a:ext cx="0" cy="0"/>
+          <a:chOff x="0" y="0"/>
+          <a:chExt cx="0" cy="0"/>
+        </a:xfrm>
+      </p:grpSpPr>
+      <p:pic>
+        <p:nvPicPr>
+          <p:cNvPr id="5" name="Tijdelijke aanduiding voor inhoud 4" descr="Afbeelding met Auto-onderdeel&#10;&#10;Automatisch gegenereerde beschrijving">
+            <a:extLst>
+              <a:ext uri="{FF2B5EF4-FFF2-40B4-BE49-F238E27FC236}">
+                <a16:creationId xmlns:a16="http://schemas.microsoft.com/office/drawing/2014/main" id="{2FAA30E0-376B-5BCE-AEB1-3B4BA0F5D77C}"/>
+              </a:ext>
+            </a:extLst>
+          </p:cNvPr>
+          <p:cNvPicPr>
+            <a:picLocks noGrp="1" noChangeAspect="1"/>
+          </p:cNvPicPr>
+          <p:nvPr>
+            <p:ph idx="1"/>
+          </p:nvPr>
+        </p:nvPicPr>
+        <p:blipFill>
+          <a:blip r:embed="rId2">
+            <a:extLst>
+              <a:ext uri="{28A0092B-C50C-407E-A947-70E740481C1C}">
+                <a14:useLocalDpi xmlns:a14="http://schemas.microsoft.com/office/drawing/2010/main" val="0"/>
+              </a:ext>
+            </a:extLst>
+          </a:blip>
+          <a:stretch>
+            <a:fillRect/>
+          </a:stretch>
+        </p:blipFill>
+        <p:spPr>
+          <a:xfrm>
+            <a:off x="2006465" y="605591"/>
+            <a:ext cx="5887284" cy="5887284"/>
+          </a:xfrm>
+        </p:spPr>
+      </p:pic>
+      <p:sp>
+        <p:nvSpPr>
+          <p:cNvPr id="2" name="Titel 1">
+            <a:extLst>
+              <a:ext uri="{FF2B5EF4-FFF2-40B4-BE49-F238E27FC236}">
+                <a16:creationId xmlns:a16="http://schemas.microsoft.com/office/drawing/2014/main" id="{EEB1298E-057B-2476-E916-1D48C1BF24CE}"/>
+              </a:ext>
+            </a:extLst>
+          </p:cNvPr>
+          <p:cNvSpPr>
+            <a:spLocks noGrp="1"/>
+          </p:cNvSpPr>
+          <p:nvPr>
+            <p:ph type="title"/>
+          </p:nvPr>
+        </p:nvSpPr>
+        <p:spPr/>
+        <p:txBody>
+          <a:bodyPr>
+            <a:normAutofit/>
+          </a:bodyPr>
+          <a:lstStyle/>
+          <a:p>
+            <a:pPr algn="ctr"/>
+            <a:r>
+              <a:rPr lang="nl-NL" sz="5400" dirty="0" err="1"/>
+              <a:t>Nitro</a:t>
+            </a:r>
+            <a:endParaRPr lang="nl-NL" sz="5400" dirty="0"/>
+          </a:p>
+        </p:txBody>
+      </p:sp>
+    </p:spTree>
+    <p:extLst>
+      <p:ext uri="{BB962C8B-B14F-4D97-AF65-F5344CB8AC3E}">
+        <p14:creationId xmlns:p14="http://schemas.microsoft.com/office/powerpoint/2010/main" val="3933053359"/>
+      </p:ext>
+    </p:extLst>
+  </p:cSld>
+  <p:clrMapOvr>
+    <a:masterClrMapping/>
+  </p:clrMapOvr>
+  <mc:AlternateContent xmlns:mc="http://schemas.openxmlformats.org/markup-compatibility/2006" xmlns:p159="http://schemas.microsoft.com/office/powerpoint/2015/09/main">
+    <mc:Choice Requires="p159">
+      <p:transition xmlns:p14="http://schemas.microsoft.com/office/powerpoint/2010/main" spd="slow" p14:dur="2000">
+        <p159:morph option="byObject"/>
+      </p:transition>
+    </mc:Choice>
+    <mc:Fallback xmlns="">
+      <p:transition spd="slow">
+        <p:fade/>
+      </p:transition>
+    </mc:Fallback>
+  </mc:AlternateContent>
+</p:sld>
+</file>
+
+<file path=ppt/slides/slide13.xml><?xml version="1.0" encoding="utf-8"?>
+<p:sld xmlns:a="http://schemas.openxmlformats.org/drawingml/2006/main" xmlns:r="http://schemas.openxmlformats.org/officeDocument/2006/relationships" xmlns:p="http://schemas.openxmlformats.org/presentationml/2006/main">
+  <p:cSld>
+    <p:spTree>
+      <p:nvGrpSpPr>
+        <p:cNvPr id="1" name=""/>
+        <p:cNvGrpSpPr/>
+        <p:nvPr/>
+      </p:nvGrpSpPr>
+      <p:grpSpPr>
+        <a:xfrm>
+          <a:off x="0" y="0"/>
+          <a:ext cx="0" cy="0"/>
+          <a:chOff x="0" y="0"/>
+          <a:chExt cx="0" cy="0"/>
+        </a:xfrm>
+      </p:grpSpPr>
+      <p:pic>
+        <p:nvPicPr>
+          <p:cNvPr id="5" name="Afbeelding 4" descr="Afbeelding met wiel, band, Auto-onderdeel, transport&#10;&#10;Automatisch gegenereerde beschrijving">
+            <a:extLst>
+              <a:ext uri="{FF2B5EF4-FFF2-40B4-BE49-F238E27FC236}">
+                <a16:creationId xmlns:a16="http://schemas.microsoft.com/office/drawing/2014/main" id="{22C995B8-687C-4551-2E9D-D83FDC0D7D7B}"/>
+              </a:ext>
+            </a:extLst>
+          </p:cNvPr>
+          <p:cNvPicPr>
+            <a:picLocks noChangeAspect="1"/>
+          </p:cNvPicPr>
+          <p:nvPr/>
+        </p:nvPicPr>
+        <p:blipFill rotWithShape="1">
+          <a:blip r:embed="rId2">
+            <a:extLst>
+              <a:ext uri="{28A0092B-C50C-407E-A947-70E740481C1C}">
+                <a14:useLocalDpi xmlns:a14="http://schemas.microsoft.com/office/drawing/2010/main" val="0"/>
+              </a:ext>
+            </a:extLst>
+          </a:blip>
+          <a:srcRect t="-363" r="50000"/>
+          <a:stretch/>
+        </p:blipFill>
+        <p:spPr>
+          <a:xfrm>
+            <a:off x="9310386" y="1006997"/>
+            <a:ext cx="2881614" cy="5784137"/>
+          </a:xfrm>
+          <a:prstGeom prst="rect">
+            <a:avLst/>
+          </a:prstGeom>
+        </p:spPr>
+      </p:pic>
+      <p:pic>
+        <p:nvPicPr>
+          <p:cNvPr id="4" name="Tijdelijke aanduiding voor inhoud 4" descr="Afbeelding met Auto-onderdeel&#10;&#10;Automatisch gegenereerde beschrijving">
+            <a:extLst>
+              <a:ext uri="{FF2B5EF4-FFF2-40B4-BE49-F238E27FC236}">
+                <a16:creationId xmlns:a16="http://schemas.microsoft.com/office/drawing/2014/main" id="{6DC6D074-D868-AC9C-73F9-89B44B663794}"/>
+              </a:ext>
+            </a:extLst>
+          </p:cNvPr>
+          <p:cNvPicPr>
+            <a:picLocks noGrp="1" noChangeAspect="1"/>
+          </p:cNvPicPr>
+          <p:nvPr>
+            <p:ph idx="1"/>
+          </p:nvPr>
+        </p:nvPicPr>
+        <p:blipFill>
+          <a:blip r:embed="rId3">
+            <a:extLst>
+              <a:ext uri="{28A0092B-C50C-407E-A947-70E740481C1C}">
+                <a14:useLocalDpi xmlns:a14="http://schemas.microsoft.com/office/drawing/2010/main" val="0"/>
+              </a:ext>
+            </a:extLst>
+          </a:blip>
+          <a:stretch>
+            <a:fillRect/>
+          </a:stretch>
+        </p:blipFill>
+        <p:spPr>
+          <a:xfrm>
+            <a:off x="636608" y="1384139"/>
+            <a:ext cx="5289630" cy="5289630"/>
+          </a:xfrm>
+        </p:spPr>
+      </p:pic>
+      <p:sp>
+        <p:nvSpPr>
+          <p:cNvPr id="2" name="Titel 1">
+            <a:extLst>
+              <a:ext uri="{FF2B5EF4-FFF2-40B4-BE49-F238E27FC236}">
+                <a16:creationId xmlns:a16="http://schemas.microsoft.com/office/drawing/2014/main" id="{099E1FFB-A11F-672E-2A12-512F9D887A43}"/>
+              </a:ext>
+            </a:extLst>
+          </p:cNvPr>
+          <p:cNvSpPr>
+            <a:spLocks noGrp="1"/>
+          </p:cNvSpPr>
+          <p:nvPr>
+            <p:ph type="title"/>
+          </p:nvPr>
+        </p:nvSpPr>
+        <p:spPr>
+          <a:xfrm>
+            <a:off x="838199" y="365125"/>
+            <a:ext cx="12750479" cy="1325563"/>
+          </a:xfrm>
+        </p:spPr>
+        <p:txBody>
+          <a:bodyPr/>
+          <a:lstStyle/>
+          <a:p>
+            <a:r>
+              <a:rPr lang="nl-NL" sz="4400" dirty="0"/>
+              <a:t>           </a:t>
+            </a:r>
+            <a:r>
+              <a:rPr lang="nl-NL" sz="5400" dirty="0" err="1"/>
+              <a:t>Nitro</a:t>
+            </a:r>
+            <a:r>
+              <a:rPr lang="nl-NL" sz="5400" dirty="0"/>
+              <a:t>                                                     </a:t>
+            </a:r>
+            <a:r>
+              <a:rPr lang="nl-NL" sz="5400" dirty="0" err="1"/>
+              <a:t>Elektri</a:t>
+            </a:r>
+            <a:endParaRPr lang="nl-NL" sz="5400" dirty="0"/>
+          </a:p>
+        </p:txBody>
+      </p:sp>
+      <p:pic>
+        <p:nvPicPr>
+          <p:cNvPr id="6" name="Tijdelijke aanduiding voor inhoud 4" descr="Afbeelding met Auto-onderdeel&#10;&#10;Automatisch gegenereerde beschrijving">
+            <a:extLst>
+              <a:ext uri="{FF2B5EF4-FFF2-40B4-BE49-F238E27FC236}">
+                <a16:creationId xmlns:a16="http://schemas.microsoft.com/office/drawing/2014/main" id="{C3D82E72-9A8B-7BB5-251D-B743966639B5}"/>
+              </a:ext>
+            </a:extLst>
+          </p:cNvPr>
+          <p:cNvPicPr>
+            <a:picLocks noChangeAspect="1"/>
+          </p:cNvPicPr>
+          <p:nvPr/>
+        </p:nvPicPr>
+        <p:blipFill>
+          <a:blip r:embed="rId3">
+            <a:extLst>
+              <a:ext uri="{28A0092B-C50C-407E-A947-70E740481C1C}">
+                <a14:useLocalDpi xmlns:a14="http://schemas.microsoft.com/office/drawing/2010/main" val="0"/>
+              </a:ext>
+            </a:extLst>
+          </a:blip>
+          <a:stretch>
+            <a:fillRect/>
+          </a:stretch>
+        </p:blipFill>
+        <p:spPr>
+          <a:xfrm>
+            <a:off x="604185" y="1381133"/>
+            <a:ext cx="5344239" cy="5344239"/>
+          </a:xfrm>
+          <a:prstGeom prst="rect">
+            <a:avLst/>
+          </a:prstGeom>
+        </p:spPr>
+      </p:pic>
+    </p:spTree>
+    <p:extLst>
+      <p:ext uri="{BB962C8B-B14F-4D97-AF65-F5344CB8AC3E}">
+        <p14:creationId xmlns:p14="http://schemas.microsoft.com/office/powerpoint/2010/main" val="3251566025"/>
+      </p:ext>
+    </p:extLst>
+  </p:cSld>
+  <p:clrMapOvr>
+    <a:masterClrMapping/>
+  </p:clrMapOvr>
+  <mc:AlternateContent xmlns:mc="http://schemas.openxmlformats.org/markup-compatibility/2006">
+    <mc:Choice xmlns:p159="http://schemas.microsoft.com/office/powerpoint/2015/09/main" Requires="p159">
+      <p:transition spd="slow">
+        <p159:morph option="byObject"/>
+      </p:transition>
+    </mc:Choice>
+    <mc:Fallback>
+      <p:transition spd="slow">
+        <p:fade/>
+      </p:transition>
+    </mc:Fallback>
+  </mc:AlternateContent>
+</p:sld>
+</file>
+
+<file path=ppt/slides/slide14.xml><?xml version="1.0" encoding="utf-8"?>
+<p:sld xmlns:a="http://schemas.openxmlformats.org/drawingml/2006/main" xmlns:r="http://schemas.openxmlformats.org/officeDocument/2006/relationships" xmlns:p="http://schemas.openxmlformats.org/presentationml/2006/main">
+  <p:cSld>
+    <p:spTree>
+      <p:nvGrpSpPr>
+        <p:cNvPr id="1" name=""/>
+        <p:cNvGrpSpPr/>
+        <p:nvPr/>
+      </p:nvGrpSpPr>
+      <p:grpSpPr>
+        <a:xfrm>
+          <a:off x="0" y="0"/>
+          <a:ext cx="0" cy="0"/>
+          <a:chOff x="0" y="0"/>
+          <a:chExt cx="0" cy="0"/>
+        </a:xfrm>
+      </p:grpSpPr>
+      <p:pic>
+        <p:nvPicPr>
+          <p:cNvPr id="6" name="Afbeelding 5" descr="Afbeelding met wiel, band, Auto-onderdeel, transport&#10;&#10;Automatisch gegenereerde beschrijving">
+            <a:extLst>
+              <a:ext uri="{FF2B5EF4-FFF2-40B4-BE49-F238E27FC236}">
+                <a16:creationId xmlns:a16="http://schemas.microsoft.com/office/drawing/2014/main" id="{041D2517-E017-7827-A2FC-01A4462E686E}"/>
+              </a:ext>
+            </a:extLst>
+          </p:cNvPr>
+          <p:cNvPicPr>
+            <a:picLocks noChangeAspect="1"/>
+          </p:cNvPicPr>
+          <p:nvPr/>
+        </p:nvPicPr>
+        <p:blipFill>
+          <a:blip r:embed="rId2">
+            <a:extLst>
+              <a:ext uri="{28A0092B-C50C-407E-A947-70E740481C1C}">
+                <a14:useLocalDpi xmlns:a14="http://schemas.microsoft.com/office/drawing/2010/main" val="0"/>
+              </a:ext>
+            </a:extLst>
+          </a:blip>
+          <a:stretch>
+            <a:fillRect/>
+          </a:stretch>
+        </p:blipFill>
+        <p:spPr>
+          <a:xfrm>
+            <a:off x="6096000" y="1094772"/>
+            <a:ext cx="5763228" cy="5763228"/>
+          </a:xfrm>
+          <a:prstGeom prst="rect">
+            <a:avLst/>
+          </a:prstGeom>
+        </p:spPr>
+      </p:pic>
+      <p:pic>
+        <p:nvPicPr>
+          <p:cNvPr id="4" name="Tijdelijke aanduiding voor inhoud 4" descr="Afbeelding met Auto-onderdeel&#10;&#10;Automatisch gegenereerde beschrijving">
+            <a:extLst>
+              <a:ext uri="{FF2B5EF4-FFF2-40B4-BE49-F238E27FC236}">
+                <a16:creationId xmlns:a16="http://schemas.microsoft.com/office/drawing/2014/main" id="{D473B85B-9AEA-1D5E-F17C-4203F68AA044}"/>
+              </a:ext>
+            </a:extLst>
+          </p:cNvPr>
+          <p:cNvPicPr>
+            <a:picLocks noGrp="1" noChangeAspect="1"/>
+          </p:cNvPicPr>
+          <p:nvPr>
+            <p:ph idx="1"/>
+          </p:nvPr>
+        </p:nvPicPr>
+        <p:blipFill>
+          <a:blip r:embed="rId3">
+            <a:extLst>
+              <a:ext uri="{28A0092B-C50C-407E-A947-70E740481C1C}">
+                <a14:useLocalDpi xmlns:a14="http://schemas.microsoft.com/office/drawing/2010/main" val="0"/>
+              </a:ext>
+            </a:extLst>
+          </a:blip>
+          <a:stretch>
+            <a:fillRect/>
+          </a:stretch>
+        </p:blipFill>
+        <p:spPr>
+          <a:xfrm>
+            <a:off x="604185" y="1381133"/>
+            <a:ext cx="5344239" cy="5344239"/>
+          </a:xfrm>
+        </p:spPr>
+      </p:pic>
+      <p:sp>
+        <p:nvSpPr>
+          <p:cNvPr id="2" name="Titel 1">
+            <a:extLst>
+              <a:ext uri="{FF2B5EF4-FFF2-40B4-BE49-F238E27FC236}">
+                <a16:creationId xmlns:a16="http://schemas.microsoft.com/office/drawing/2014/main" id="{98583E37-C506-5388-AA4A-C6EDD0876CEC}"/>
+              </a:ext>
+            </a:extLst>
+          </p:cNvPr>
+          <p:cNvSpPr>
+            <a:spLocks noGrp="1"/>
+          </p:cNvSpPr>
+          <p:nvPr>
+            <p:ph type="title"/>
+          </p:nvPr>
+        </p:nvSpPr>
+        <p:spPr/>
+        <p:txBody>
+          <a:bodyPr>
+            <a:normAutofit/>
+          </a:bodyPr>
+          <a:lstStyle/>
+          <a:p>
+            <a:pPr algn="ctr"/>
+            <a:r>
+              <a:rPr lang="nl-NL" sz="5400" dirty="0" err="1"/>
+              <a:t>Nitro</a:t>
+            </a:r>
+            <a:r>
+              <a:rPr lang="nl-NL" sz="5400" dirty="0"/>
+              <a:t>                           Elektrisch</a:t>
+            </a:r>
+          </a:p>
+        </p:txBody>
+      </p:sp>
+    </p:spTree>
+    <p:extLst>
+      <p:ext uri="{BB962C8B-B14F-4D97-AF65-F5344CB8AC3E}">
+        <p14:creationId xmlns:p14="http://schemas.microsoft.com/office/powerpoint/2010/main" val="2310889101"/>
+      </p:ext>
+    </p:extLst>
+  </p:cSld>
+  <p:clrMapOvr>
+    <a:masterClrMapping/>
+  </p:clrMapOvr>
+  <mc:AlternateContent xmlns:mc="http://schemas.openxmlformats.org/markup-compatibility/2006">
+    <mc:Choice xmlns:p159="http://schemas.microsoft.com/office/powerpoint/2015/09/main" Requires="p159">
+      <p:transition spd="slow">
+        <p159:morph option="byObject"/>
+      </p:transition>
+    </mc:Choice>
+    <mc:Fallback>
+      <p:transition spd="slow">
+        <p:fade/>
+      </p:transition>
+    </mc:Fallback>
+  </mc:AlternateContent>
+</p:sld>
+</file>
+
+<file path=ppt/slides/slide2.xml><?xml version="1.0" encoding="utf-8"?>
+<p:sld xmlns:a="http://schemas.openxmlformats.org/drawingml/2006/main" xmlns:r="http://schemas.openxmlformats.org/officeDocument/2006/relationships" xmlns:p="http://schemas.openxmlformats.org/presentationml/2006/main">
+  <p:cSld>
+    <p:spTree>
+      <p:nvGrpSpPr>
+        <p:cNvPr id="1" name=""/>
+        <p:cNvGrpSpPr/>
+        <p:nvPr/>
+      </p:nvGrpSpPr>
+      <p:grpSpPr>
+        <a:xfrm>
+          <a:off x="0" y="0"/>
+          <a:ext cx="0" cy="0"/>
+          <a:chOff x="0" y="0"/>
+          <a:chExt cx="0" cy="0"/>
+        </a:xfrm>
+      </p:grpSpPr>
+      <p:pic>
+        <p:nvPicPr>
+          <p:cNvPr id="6" name="Afbeelding 5" descr="Afbeelding met wiel, voertuig, sportwagen, Landvoertuig&#10;&#10;Automatisch gegenereerde beschrijving">
+            <a:extLst>
+              <a:ext uri="{FF2B5EF4-FFF2-40B4-BE49-F238E27FC236}">
+                <a16:creationId xmlns:a16="http://schemas.microsoft.com/office/drawing/2014/main" id="{477CAE62-84E7-7762-CDED-06F77F9CE6EE}"/>
+              </a:ext>
+            </a:extLst>
+          </p:cNvPr>
+          <p:cNvPicPr>
+            <a:picLocks noChangeAspect="1"/>
+          </p:cNvPicPr>
+          <p:nvPr/>
+        </p:nvPicPr>
+        <p:blipFill>
+          <a:blip r:embed="rId2">
+            <a:extLst>
+              <a:ext uri="{28A0092B-C50C-407E-A947-70E740481C1C}">
+                <a14:useLocalDpi xmlns:a14="http://schemas.microsoft.com/office/drawing/2010/main" val="0"/>
+              </a:ext>
+            </a:extLst>
+          </a:blip>
+          <a:stretch>
+            <a:fillRect/>
+          </a:stretch>
+        </p:blipFill>
+        <p:spPr>
+          <a:xfrm>
+            <a:off x="1" y="-543294"/>
+            <a:ext cx="12206840" cy="8137893"/>
+          </a:xfrm>
+          <a:prstGeom prst="rect">
+            <a:avLst/>
+          </a:prstGeom>
+        </p:spPr>
+      </p:pic>
+      <p:sp>
+        <p:nvSpPr>
+          <p:cNvPr id="2" name="Titel 1">
+            <a:extLst>
+              <a:ext uri="{FF2B5EF4-FFF2-40B4-BE49-F238E27FC236}">
+                <a16:creationId xmlns:a16="http://schemas.microsoft.com/office/drawing/2014/main" id="{88F729BA-BA54-3C12-5C03-2A8F940F281C}"/>
+              </a:ext>
+            </a:extLst>
+          </p:cNvPr>
+          <p:cNvSpPr>
+            <a:spLocks noGrp="1"/>
+          </p:cNvSpPr>
+          <p:nvPr>
+            <p:ph type="ctrTitle"/>
+          </p:nvPr>
+        </p:nvSpPr>
+        <p:spPr/>
+        <p:txBody>
+          <a:bodyPr/>
+          <a:lstStyle/>
+          <a:p>
+            <a:r>
+              <a:rPr lang="nl-NL" dirty="0">
+                <a:solidFill>
+                  <a:schemeClr val="bg1"/>
+                </a:solidFill>
+                <a:effectLst>
+                  <a:outerShdw blurRad="38100" dist="38100" dir="2700000" algn="tl">
+                    <a:srgbClr val="000000">
+                      <a:alpha val="43137"/>
+                    </a:srgbClr>
+                  </a:outerShdw>
+                </a:effectLst>
+              </a:rPr>
+              <a:t>Rc auto</a:t>
+            </a:r>
+          </a:p>
+        </p:txBody>
+      </p:sp>
+      <p:sp>
+        <p:nvSpPr>
+          <p:cNvPr id="4" name="AutoShape 4" descr="Traxxas 1/7 XO-1 Electric Brushless 4WD RC Supercar | 64077-3">
+            <a:extLst>
+              <a:ext uri="{FF2B5EF4-FFF2-40B4-BE49-F238E27FC236}">
+                <a16:creationId xmlns:a16="http://schemas.microsoft.com/office/drawing/2014/main" id="{EEB0F7B2-B679-B0D8-342F-FA19E4CCBAD6}"/>
+              </a:ext>
+            </a:extLst>
+          </p:cNvPr>
+          <p:cNvSpPr>
+            <a:spLocks noChangeAspect="1" noChangeArrowheads="1"/>
+          </p:cNvSpPr>
+          <p:nvPr/>
+        </p:nvSpPr>
+        <p:spPr bwMode="auto">
+          <a:xfrm>
+            <a:off x="5943600" y="3276600"/>
+            <a:ext cx="304800" cy="304800"/>
+          </a:xfrm>
+          <a:prstGeom prst="rect">
+            <a:avLst/>
+          </a:prstGeom>
+          <a:noFill/>
+          <a:extLst>
+            <a:ext uri="{909E8E84-426E-40DD-AFC4-6F175D3DCCD1}">
+              <a14:hiddenFill xmlns:a14="http://schemas.microsoft.com/office/drawing/2010/main">
+                <a:solidFill>
+                  <a:srgbClr val="FFFFFF"/>
+                </a:solidFill>
+              </a14:hiddenFill>
+            </a:ext>
+          </a:extLst>
+        </p:spPr>
+        <p:txBody>
+          <a:bodyPr vert="horz" wrap="square" lIns="91440" tIns="45720" rIns="91440" bIns="45720" numCol="1" anchor="t" anchorCtr="0" compatLnSpc="1">
+            <a:prstTxWarp prst="textNoShape">
+              <a:avLst/>
+            </a:prstTxWarp>
+          </a:bodyPr>
+          <a:lstStyle/>
+          <a:p>
+            <a:endParaRPr lang="nl-NL"/>
+          </a:p>
+        </p:txBody>
+      </p:sp>
+    </p:spTree>
+    <p:extLst>
+      <p:ext uri="{BB962C8B-B14F-4D97-AF65-F5344CB8AC3E}">
+        <p14:creationId xmlns:p14="http://schemas.microsoft.com/office/powerpoint/2010/main" val="4068791116"/>
+      </p:ext>
+    </p:extLst>
+  </p:cSld>
+  <p:clrMapOvr>
+    <a:masterClrMapping/>
+  </p:clrMapOvr>
+  <mc:AlternateContent xmlns:mc="http://schemas.openxmlformats.org/markup-compatibility/2006" xmlns:p159="http://schemas.microsoft.com/office/powerpoint/2015/09/main">
+    <mc:Choice Requires="p159">
+      <p:transition xmlns:p14="http://schemas.microsoft.com/office/powerpoint/2010/main" spd="slow" p14:dur="2000">
+        <p159:morph option="byObject"/>
+      </p:transition>
+    </mc:Choice>
+    <mc:Fallback xmlns="">
+      <p:transition spd="slow">
+        <p:fade/>
+      </p:transition>
+    </mc:Fallback>
+  </mc:AlternateContent>
+</p:sld>
+</file>
+
+<file path=ppt/slides/slide3.xml><?xml version="1.0" encoding="utf-8"?>
+<p:sld xmlns:a="http://schemas.openxmlformats.org/drawingml/2006/main" xmlns:r="http://schemas.openxmlformats.org/officeDocument/2006/relationships" xmlns:p="http://schemas.openxmlformats.org/presentationml/2006/main">
+  <p:cSld>
+    <p:bg>
+      <p:bgPr>
+        <a:solidFill>
+          <a:schemeClr val="bg1"/>
+        </a:solidFill>
+        <a:effectLst/>
+      </p:bgPr>
+    </p:bg>
+    <p:spTree>
+      <p:nvGrpSpPr>
+        <p:cNvPr id="1" name=""/>
+        <p:cNvGrpSpPr/>
+        <p:nvPr/>
+      </p:nvGrpSpPr>
+      <p:grpSpPr>
+        <a:xfrm>
+          <a:off x="0" y="0"/>
+          <a:ext cx="0" cy="0"/>
+          <a:chOff x="0" y="0"/>
+          <a:chExt cx="0" cy="0"/>
+        </a:xfrm>
+      </p:grpSpPr>
+      <p:sp useBgFill="1">
+        <p:nvSpPr>
+          <p:cNvPr id="9" name="Rectangle 8">
+            <a:extLst>
+              <a:ext uri="{FF2B5EF4-FFF2-40B4-BE49-F238E27FC236}">
+                <a16:creationId xmlns:a16="http://schemas.microsoft.com/office/drawing/2014/main" id="{04812C46-200A-4DEB-A05E-3ED6C68C2387}"/>
+              </a:ext>
+              <a:ext uri="{C183D7F6-B498-43B3-948B-1728B52AA6E4}">
+                <adec:decorative xmlns:adec="http://schemas.microsoft.com/office/drawing/2017/decorative" val="1"/>
+              </a:ext>
+            </a:extLst>
+          </p:cNvPr>
+          <p:cNvSpPr>
+            <a:spLocks noGrp="1" noRot="1" noChangeAspect="1" noMove="1" noResize="1" noEditPoints="1" noAdjustHandles="1" noChangeArrowheads="1" noChangeShapeType="1" noTextEdit="1"/>
+          </p:cNvSpPr>
+          <p:nvPr>
+            <p:extLst>
+              <p:ext uri="{386F3935-93C4-4BCD-93E2-E3B085C9AB24}">
+                <p16:designElem xmlns:p16="http://schemas.microsoft.com/office/powerpoint/2015/main" val="1"/>
+              </p:ext>
+            </p:extLst>
+          </p:nvPr>
+        </p:nvSpPr>
+        <p:spPr>
+          <a:xfrm>
+            <a:off x="-1" y="0"/>
+            <a:ext cx="12188952" cy="6858000"/>
+          </a:xfrm>
+          <a:prstGeom prst="rect">
+            <a:avLst/>
+          </a:prstGeom>
+          <a:ln>
+            <a:noFill/>
+          </a:ln>
+        </p:spPr>
+        <p:style>
+          <a:lnRef idx="2">
+            <a:schemeClr val="accent1">
+              <a:shade val="50000"/>
+            </a:schemeClr>
+          </a:lnRef>
+          <a:fillRef idx="1">
+            <a:schemeClr val="accent1"/>
+          </a:fillRef>
+          <a:effectRef idx="0">
+            <a:schemeClr val="accent1"/>
+          </a:effectRef>
+          <a:fontRef idx="minor">
+            <a:schemeClr val="lt1"/>
+          </a:fontRef>
+        </p:style>
+        <p:txBody>
+          <a:bodyPr rtlCol="0" anchor="ctr"/>
+          <a:lstStyle/>
+          <a:p>
+            <a:pPr algn="ctr"/>
+            <a:endParaRPr lang="en-US"/>
+          </a:p>
+        </p:txBody>
+      </p:sp>
+      <p:pic>
+        <p:nvPicPr>
           <p:cNvPr id="4" name="Afbeelding 3" descr="Afbeelding met wiel, voertuig, sportwagen, Landvoertuig&#10;&#10;Automatisch gegenereerde beschrijving">
             <a:extLst>
               <a:ext uri="{FF2B5EF4-FFF2-40B4-BE49-F238E27FC236}">
-                <a16:creationId xmlns:a16="http://schemas.microsoft.com/office/drawing/2014/main" id="{4972A45E-0639-5280-94CE-678F097EBE4A}"/>
+                <a16:creationId xmlns:a16="http://schemas.microsoft.com/office/drawing/2014/main" id="{C7F815A5-5A35-A7F8-A9F5-03FCFB34AE35}"/>
               </a:ext>
             </a:extLst>
           </p:cNvPr>
@@ -3773,7 +5400,7 @@
           <p:cNvPr id="11" name="Rectangle 10">
             <a:extLst>
               <a:ext uri="{FF2B5EF4-FFF2-40B4-BE49-F238E27FC236}">
-                <a16:creationId xmlns:a16="http://schemas.microsoft.com/office/drawing/2014/main" id="{178FB36B-5BFE-42CA-BC60-1115E0D95EEC}"/>
+                <a16:creationId xmlns:a16="http://schemas.microsoft.com/office/drawing/2014/main" id="{D1EA859B-E555-4109-94F3-6700E046E008}"/>
               </a:ext>
               <a:ext uri="{C183D7F6-B498-43B3-948B-1728B52AA6E4}">
                 <adec:decorative xmlns:adec="http://schemas.microsoft.com/office/drawing/2017/decorative" val="1"/>
@@ -3859,7 +5486,7 @@
           <p:cNvPr id="2" name="Titel 1">
             <a:extLst>
               <a:ext uri="{FF2B5EF4-FFF2-40B4-BE49-F238E27FC236}">
-                <a16:creationId xmlns:a16="http://schemas.microsoft.com/office/drawing/2014/main" id="{A1EFC50A-0D2D-BE52-2E73-B5537EC49DF8}"/>
+                <a16:creationId xmlns:a16="http://schemas.microsoft.com/office/drawing/2014/main" id="{F8E2DB37-EEBA-1AB8-33AD-C325D621C75E}"/>
               </a:ext>
             </a:extLst>
           </p:cNvPr>
@@ -3872,40 +5499,88 @@
         </p:nvSpPr>
         <p:spPr>
           <a:xfrm>
-            <a:off x="7935402" y="743447"/>
-            <a:ext cx="3445765" cy="3692028"/>
+            <a:off x="7531610" y="365125"/>
+            <a:ext cx="3822189" cy="1899912"/>
           </a:xfrm>
-          <a:noFill/>
         </p:spPr>
         <p:txBody>
-          <a:bodyPr vert="horz" lIns="91440" tIns="45720" rIns="91440" bIns="45720" rtlCol="0" anchor="b">
+          <a:bodyPr>
             <a:normAutofit/>
           </a:bodyPr>
           <a:lstStyle/>
           <a:p>
-            <a:r>
-              <a:rPr lang="en-US" sz="5200"/>
-              <a:t>Tekst</a:t>
-            </a:r>
+            <a:endParaRPr lang="nl-NL" sz="4000"/>
+          </a:p>
+        </p:txBody>
+      </p:sp>
+      <p:sp>
+        <p:nvSpPr>
+          <p:cNvPr id="3" name="Tijdelijke aanduiding voor inhoud 2">
+            <a:extLst>
+              <a:ext uri="{FF2B5EF4-FFF2-40B4-BE49-F238E27FC236}">
+                <a16:creationId xmlns:a16="http://schemas.microsoft.com/office/drawing/2014/main" id="{CD5B54EA-CC31-500C-2C5E-C7515525183C}"/>
+              </a:ext>
+            </a:extLst>
+          </p:cNvPr>
+          <p:cNvSpPr>
+            <a:spLocks noGrp="1"/>
+          </p:cNvSpPr>
+          <p:nvPr>
+            <p:ph idx="1"/>
+          </p:nvPr>
+        </p:nvSpPr>
+        <p:spPr>
+          <a:xfrm>
+            <a:off x="7531610" y="2434201"/>
+            <a:ext cx="3822189" cy="3742762"/>
+          </a:xfrm>
+        </p:spPr>
+        <p:txBody>
+          <a:bodyPr>
+            <a:normAutofit/>
+          </a:bodyPr>
+          <a:lstStyle/>
+          <a:p>
+            <a:endParaRPr lang="nl-NL" sz="2000"/>
           </a:p>
         </p:txBody>
       </p:sp>
     </p:spTree>
     <p:extLst>
       <p:ext uri="{BB962C8B-B14F-4D97-AF65-F5344CB8AC3E}">
-        <p14:creationId xmlns:p14="http://schemas.microsoft.com/office/powerpoint/2010/main" val="806257456"/>
+        <p14:creationId xmlns:p14="http://schemas.microsoft.com/office/powerpoint/2010/main" val="94327335"/>
       </p:ext>
     </p:extLst>
   </p:cSld>
   <p:clrMapOvr>
     <a:masterClrMapping/>
   </p:clrMapOvr>
+  <mc:AlternateContent xmlns:mc="http://schemas.openxmlformats.org/markup-compatibility/2006">
+    <mc:Choice xmlns:p159="http://schemas.microsoft.com/office/powerpoint/2015/09/main" Requires="p159">
+      <p:transition>
+        <p159:morph option="byObject"/>
+      </p:transition>
+    </mc:Choice>
+    <mc:Fallback>
+      <p:transition>
+        <p:fade/>
+      </p:transition>
+    </mc:Fallback>
+  </mc:AlternateContent>
 </p:sld>
 </file>
 
-<file path=ppt/slides/slide3.xml><?xml version="1.0" encoding="utf-8"?>
+<file path=ppt/slides/slide4.xml><?xml version="1.0" encoding="utf-8"?>
 <p:sld xmlns:a="http://schemas.openxmlformats.org/drawingml/2006/main" xmlns:r="http://schemas.openxmlformats.org/officeDocument/2006/relationships" xmlns:p="http://schemas.openxmlformats.org/presentationml/2006/main">
   <p:cSld>
+    <p:bg>
+      <p:bgPr>
+        <a:solidFill>
+          <a:schemeClr val="bg1"/>
+        </a:solidFill>
+        <a:effectLst/>
+      </p:bgPr>
+    </p:bg>
     <p:spTree>
       <p:nvGrpSpPr>
         <p:cNvPr id="1" name=""/>
@@ -3920,12 +5595,318 @@
           <a:chExt cx="0" cy="0"/>
         </a:xfrm>
       </p:grpSpPr>
+      <p:sp useBgFill="1">
+        <p:nvSpPr>
+          <p:cNvPr id="10" name="Rectangle 12">
+            <a:extLst>
+              <a:ext uri="{FF2B5EF4-FFF2-40B4-BE49-F238E27FC236}">
+                <a16:creationId xmlns:a16="http://schemas.microsoft.com/office/drawing/2014/main" id="{AB8C311F-7253-4AED-9701-7FC0708C41C7}"/>
+              </a:ext>
+              <a:ext uri="{C183D7F6-B498-43B3-948B-1728B52AA6E4}">
+                <adec:decorative xmlns:adec="http://schemas.microsoft.com/office/drawing/2017/decorative" val="1"/>
+              </a:ext>
+            </a:extLst>
+          </p:cNvPr>
+          <p:cNvSpPr>
+            <a:spLocks noGrp="1" noRot="1" noChangeAspect="1" noMove="1" noResize="1" noEditPoints="1" noAdjustHandles="1" noChangeArrowheads="1" noChangeShapeType="1" noTextEdit="1"/>
+          </p:cNvSpPr>
+          <p:nvPr>
+            <p:extLst>
+              <p:ext uri="{386F3935-93C4-4BCD-93E2-E3B085C9AB24}">
+                <p16:designElem xmlns:p16="http://schemas.microsoft.com/office/powerpoint/2015/main" val="1"/>
+              </p:ext>
+            </p:extLst>
+          </p:nvPr>
+        </p:nvSpPr>
+        <p:spPr>
+          <a:xfrm>
+            <a:off x="0" y="0"/>
+            <a:ext cx="12192000" cy="6858000"/>
+          </a:xfrm>
+          <a:prstGeom prst="rect">
+            <a:avLst/>
+          </a:prstGeom>
+          <a:ln w="12700" cap="flat" cmpd="sng" algn="ctr">
+            <a:noFill/>
+            <a:prstDash val="solid"/>
+            <a:miter lim="800000"/>
+          </a:ln>
+          <a:effectLst/>
+          <a:extLst>
+            <a:ext uri="{91240B29-F687-4F45-9708-019B960494DF}">
+              <a14:hiddenLine xmlns:a14="http://schemas.microsoft.com/office/drawing/2010/main" w="12700" cap="flat" cmpd="sng" algn="ctr">
+                <a:solidFill>
+                  <a:schemeClr val="accent1">
+                    <a:shade val="50000"/>
+                  </a:schemeClr>
+                </a:solidFill>
+                <a:prstDash val="solid"/>
+                <a:miter lim="800000"/>
+              </a14:hiddenLine>
+            </a:ext>
+          </a:extLst>
+        </p:spPr>
+        <p:style>
+          <a:lnRef idx="2">
+            <a:schemeClr val="accent1">
+              <a:shade val="50000"/>
+            </a:schemeClr>
+          </a:lnRef>
+          <a:fillRef idx="1">
+            <a:schemeClr val="accent1"/>
+          </a:fillRef>
+          <a:effectRef idx="0">
+            <a:schemeClr val="accent1"/>
+          </a:effectRef>
+          <a:fontRef idx="minor">
+            <a:schemeClr val="lt1"/>
+          </a:fontRef>
+        </p:style>
+        <p:txBody>
+          <a:bodyPr rtlCol="0" anchor="ctr"/>
+          <a:lstStyle/>
+          <a:p>
+            <a:pPr algn="ctr"/>
+            <a:endParaRPr lang="en-US"/>
+          </a:p>
+        </p:txBody>
+      </p:sp>
+      <p:sp>
+        <p:nvSpPr>
+          <p:cNvPr id="15" name="Rectangle 14">
+            <a:extLst>
+              <a:ext uri="{FF2B5EF4-FFF2-40B4-BE49-F238E27FC236}">
+                <a16:creationId xmlns:a16="http://schemas.microsoft.com/office/drawing/2014/main" id="{FD073016-B734-483B-8953-5BADEE145112}"/>
+              </a:ext>
+              <a:ext uri="{C183D7F6-B498-43B3-948B-1728B52AA6E4}">
+                <adec:decorative xmlns:adec="http://schemas.microsoft.com/office/drawing/2017/decorative" val="1"/>
+              </a:ext>
+            </a:extLst>
+          </p:cNvPr>
+          <p:cNvSpPr>
+            <a:spLocks noGrp="1" noRot="1" noChangeAspect="1" noMove="1" noResize="1" noEditPoints="1" noAdjustHandles="1" noChangeArrowheads="1" noChangeShapeType="1" noTextEdit="1"/>
+          </p:cNvSpPr>
+          <p:nvPr>
+            <p:extLst>
+              <p:ext uri="{386F3935-93C4-4BCD-93E2-E3B085C9AB24}">
+                <p16:designElem xmlns:p16="http://schemas.microsoft.com/office/powerpoint/2015/main" val="1"/>
+              </p:ext>
+            </p:extLst>
+          </p:nvPr>
+        </p:nvSpPr>
+        <p:spPr>
+          <a:xfrm>
+            <a:off x="4038600" y="0"/>
+            <a:ext cx="8157458" cy="6858000"/>
+          </a:xfrm>
+          <a:prstGeom prst="rect">
+            <a:avLst/>
+          </a:prstGeom>
+          <a:gradFill>
+            <a:gsLst>
+              <a:gs pos="2000">
+                <a:schemeClr val="accent1"/>
+              </a:gs>
+              <a:gs pos="78000">
+                <a:schemeClr val="accent1">
+                  <a:lumMod val="50000"/>
+                </a:schemeClr>
+              </a:gs>
+              <a:gs pos="100000">
+                <a:srgbClr val="000000">
+                  <a:alpha val="85000"/>
+                </a:srgbClr>
+              </a:gs>
+            </a:gsLst>
+            <a:lin ang="18000000" scaled="0"/>
+          </a:gradFill>
+          <a:ln>
+            <a:noFill/>
+          </a:ln>
+        </p:spPr>
+        <p:style>
+          <a:lnRef idx="2">
+            <a:schemeClr val="accent1">
+              <a:shade val="50000"/>
+            </a:schemeClr>
+          </a:lnRef>
+          <a:fillRef idx="1">
+            <a:schemeClr val="accent1"/>
+          </a:fillRef>
+          <a:effectRef idx="0">
+            <a:schemeClr val="accent1"/>
+          </a:effectRef>
+          <a:fontRef idx="minor">
+            <a:schemeClr val="lt1"/>
+          </a:fontRef>
+        </p:style>
+        <p:txBody>
+          <a:bodyPr rtlCol="0" anchor="ctr"/>
+          <a:lstStyle/>
+          <a:p>
+            <a:pPr algn="ctr"/>
+            <a:endParaRPr lang="en-US"/>
+          </a:p>
+        </p:txBody>
+      </p:sp>
+      <p:sp>
+        <p:nvSpPr>
+          <p:cNvPr id="17" name="Rectangle 16">
+            <a:extLst>
+              <a:ext uri="{FF2B5EF4-FFF2-40B4-BE49-F238E27FC236}">
+                <a16:creationId xmlns:a16="http://schemas.microsoft.com/office/drawing/2014/main" id="{90A7EAB6-59D3-4325-8DE6-E0CA4009CE53}"/>
+              </a:ext>
+              <a:ext uri="{C183D7F6-B498-43B3-948B-1728B52AA6E4}">
+                <adec:decorative xmlns:adec="http://schemas.microsoft.com/office/drawing/2017/decorative" val="1"/>
+              </a:ext>
+            </a:extLst>
+          </p:cNvPr>
+          <p:cNvSpPr>
+            <a:spLocks noGrp="1" noRot="1" noChangeAspect="1" noMove="1" noResize="1" noEditPoints="1" noAdjustHandles="1" noChangeArrowheads="1" noChangeShapeType="1" noTextEdit="1"/>
+          </p:cNvSpPr>
+          <p:nvPr>
+            <p:extLst>
+              <p:ext uri="{386F3935-93C4-4BCD-93E2-E3B085C9AB24}">
+                <p16:designElem xmlns:p16="http://schemas.microsoft.com/office/powerpoint/2015/main" val="1"/>
+              </p:ext>
+            </p:extLst>
+          </p:nvPr>
+        </p:nvSpPr>
+        <p:spPr>
+          <a:xfrm flipH="1">
+            <a:off x="4034537" y="1839884"/>
+            <a:ext cx="8157460" cy="5017687"/>
+          </a:xfrm>
+          <a:prstGeom prst="rect">
+            <a:avLst/>
+          </a:prstGeom>
+          <a:gradFill>
+            <a:gsLst>
+              <a:gs pos="0">
+                <a:schemeClr val="accent1">
+                  <a:lumMod val="60000"/>
+                  <a:lumOff val="40000"/>
+                  <a:alpha val="30000"/>
+                </a:schemeClr>
+              </a:gs>
+              <a:gs pos="100000">
+                <a:srgbClr val="000000">
+                  <a:alpha val="44000"/>
+                </a:srgbClr>
+              </a:gs>
+            </a:gsLst>
+            <a:lin ang="4800000" scaled="0"/>
+          </a:gradFill>
+          <a:ln>
+            <a:noFill/>
+          </a:ln>
+        </p:spPr>
+        <p:style>
+          <a:lnRef idx="2">
+            <a:schemeClr val="accent1">
+              <a:shade val="50000"/>
+            </a:schemeClr>
+          </a:lnRef>
+          <a:fillRef idx="1">
+            <a:schemeClr val="accent1"/>
+          </a:fillRef>
+          <a:effectRef idx="0">
+            <a:schemeClr val="accent1"/>
+          </a:effectRef>
+          <a:fontRef idx="minor">
+            <a:schemeClr val="lt1"/>
+          </a:fontRef>
+        </p:style>
+        <p:txBody>
+          <a:bodyPr rtlCol="0" anchor="ctr"/>
+          <a:lstStyle/>
+          <a:p>
+            <a:pPr algn="ctr"/>
+            <a:endParaRPr lang="en-US"/>
+          </a:p>
+        </p:txBody>
+      </p:sp>
+      <p:sp>
+        <p:nvSpPr>
+          <p:cNvPr id="19" name="Rectangle 18">
+            <a:extLst>
+              <a:ext uri="{FF2B5EF4-FFF2-40B4-BE49-F238E27FC236}">
+                <a16:creationId xmlns:a16="http://schemas.microsoft.com/office/drawing/2014/main" id="{A8D57A06-A426-446D-B02C-A2DC6B62E45E}"/>
+              </a:ext>
+              <a:ext uri="{C183D7F6-B498-43B3-948B-1728B52AA6E4}">
+                <adec:decorative xmlns:adec="http://schemas.microsoft.com/office/drawing/2017/decorative" val="1"/>
+              </a:ext>
+            </a:extLst>
+          </p:cNvPr>
+          <p:cNvSpPr>
+            <a:spLocks noGrp="1" noRot="1" noChangeAspect="1" noMove="1" noResize="1" noEditPoints="1" noAdjustHandles="1" noChangeArrowheads="1" noChangeShapeType="1" noTextEdit="1"/>
+          </p:cNvSpPr>
+          <p:nvPr>
+            <p:extLst>
+              <p:ext uri="{386F3935-93C4-4BCD-93E2-E3B085C9AB24}">
+                <p16:designElem xmlns:p16="http://schemas.microsoft.com/office/powerpoint/2015/main" val="1"/>
+              </p:ext>
+            </p:extLst>
+          </p:nvPr>
+        </p:nvSpPr>
+        <p:spPr>
+          <a:xfrm rot="5400000" flipH="1">
+            <a:off x="4063179" y="-33131"/>
+            <a:ext cx="6857999" cy="6923403"/>
+          </a:xfrm>
+          <a:prstGeom prst="rect">
+            <a:avLst/>
+          </a:prstGeom>
+          <a:gradFill>
+            <a:gsLst>
+              <a:gs pos="56000">
+                <a:schemeClr val="accent1">
+                  <a:lumMod val="60000"/>
+                  <a:lumOff val="40000"/>
+                  <a:alpha val="0"/>
+                </a:schemeClr>
+              </a:gs>
+              <a:gs pos="100000">
+                <a:schemeClr val="accent1"/>
+              </a:gs>
+            </a:gsLst>
+            <a:lin ang="6600000" scaled="0"/>
+          </a:gradFill>
+          <a:ln>
+            <a:noFill/>
+          </a:ln>
+        </p:spPr>
+        <p:style>
+          <a:lnRef idx="2">
+            <a:schemeClr val="accent1">
+              <a:shade val="50000"/>
+            </a:schemeClr>
+          </a:lnRef>
+          <a:fillRef idx="1">
+            <a:schemeClr val="accent1"/>
+          </a:fillRef>
+          <a:effectRef idx="0">
+            <a:schemeClr val="accent1"/>
+          </a:effectRef>
+          <a:fontRef idx="minor">
+            <a:schemeClr val="lt1"/>
+          </a:fontRef>
+        </p:style>
+        <p:txBody>
+          <a:bodyPr rtlCol="0" anchor="ctr"/>
+          <a:lstStyle/>
+          <a:p>
+            <a:pPr algn="ctr"/>
+            <a:endParaRPr lang="en-US"/>
+          </a:p>
+        </p:txBody>
+      </p:sp>
       <p:pic>
         <p:nvPicPr>
-          <p:cNvPr id="5" name="Tijdelijke aanduiding voor inhoud 4" descr="Afbeelding met wiel, voertuig, sportwagen, Landvoertuig&#10;&#10;Automatisch gegenereerde beschrijving">
-            <a:extLst>
-              <a:ext uri="{FF2B5EF4-FFF2-40B4-BE49-F238E27FC236}">
-                <a16:creationId xmlns:a16="http://schemas.microsoft.com/office/drawing/2014/main" id="{36867785-E45E-DC78-37E7-1991AEE158E8}"/>
+          <p:cNvPr id="4" name="Tijdelijke aanduiding voor inhoud 3" descr="Afbeelding met wiel, voertuig, sportwagen, Landvoertuig&#10;&#10;Automatisch gegenereerde beschrijving">
+            <a:extLst>
+              <a:ext uri="{FF2B5EF4-FFF2-40B4-BE49-F238E27FC236}">
+                <a16:creationId xmlns:a16="http://schemas.microsoft.com/office/drawing/2014/main" id="{6CA52C18-881D-3CA6-2705-9A22F8ED79C7}"/>
               </a:ext>
             </a:extLst>
           </p:cNvPr>
@@ -3944,135 +5925,41 @@
               </a:ext>
             </a:extLst>
           </a:blip>
-          <a:srcRect l="33473" t="42451" r="34433" b="24901"/>
+          <a:srcRect t="3867" r="658" b="11864"/>
           <a:stretch/>
         </p:blipFill>
         <p:spPr>
           <a:xfrm>
-            <a:off x="2956560" y="1036319"/>
-            <a:ext cx="6561980" cy="4450081"/>
+            <a:off x="812759" y="457200"/>
+            <a:ext cx="10496925" cy="5943600"/>
           </a:xfrm>
+          <a:prstGeom prst="rect">
+            <a:avLst/>
+          </a:prstGeom>
         </p:spPr>
       </p:pic>
-      <p:sp>
-        <p:nvSpPr>
-          <p:cNvPr id="2" name="Titel 1">
-            <a:extLst>
-              <a:ext uri="{FF2B5EF4-FFF2-40B4-BE49-F238E27FC236}">
-                <a16:creationId xmlns:a16="http://schemas.microsoft.com/office/drawing/2014/main" id="{5275300B-B5CF-66F5-8798-F3E037808E2A}"/>
-              </a:ext>
-            </a:extLst>
-          </p:cNvPr>
-          <p:cNvSpPr>
-            <a:spLocks noGrp="1"/>
-          </p:cNvSpPr>
-          <p:nvPr>
-            <p:ph type="title"/>
-          </p:nvPr>
-        </p:nvSpPr>
-        <p:spPr/>
-        <p:txBody>
-          <a:bodyPr/>
-          <a:lstStyle/>
-          <a:p>
-            <a:r>
-              <a:rPr lang="nl-NL" dirty="0" err="1"/>
-              <a:t>esfew</a:t>
-            </a:r>
-            <a:endParaRPr lang="nl-NL" dirty="0"/>
-          </a:p>
-        </p:txBody>
-      </p:sp>
     </p:spTree>
     <p:extLst>
       <p:ext uri="{BB962C8B-B14F-4D97-AF65-F5344CB8AC3E}">
-        <p14:creationId xmlns:p14="http://schemas.microsoft.com/office/powerpoint/2010/main" val="691705613"/>
+        <p14:creationId xmlns:p14="http://schemas.microsoft.com/office/powerpoint/2010/main" val="3855317204"/>
       </p:ext>
     </p:extLst>
   </p:cSld>
   <p:clrMapOvr>
     <a:masterClrMapping/>
   </p:clrMapOvr>
-</p:sld>
-</file>
-
-<file path=ppt/slides/slide4.xml><?xml version="1.0" encoding="utf-8"?>
-<p:sld xmlns:a="http://schemas.openxmlformats.org/drawingml/2006/main" xmlns:r="http://schemas.openxmlformats.org/officeDocument/2006/relationships" xmlns:p="http://schemas.openxmlformats.org/presentationml/2006/main">
-  <p:cSld>
-    <p:spTree>
-      <p:nvGrpSpPr>
-        <p:cNvPr id="1" name=""/>
-        <p:cNvGrpSpPr/>
-        <p:nvPr/>
-      </p:nvGrpSpPr>
-      <p:grpSpPr>
-        <a:xfrm>
-          <a:off x="0" y="0"/>
-          <a:ext cx="0" cy="0"/>
-          <a:chOff x="0" y="0"/>
-          <a:chExt cx="0" cy="0"/>
-        </a:xfrm>
-      </p:grpSpPr>
-      <p:sp>
-        <p:nvSpPr>
-          <p:cNvPr id="2" name="Titel 1">
-            <a:extLst>
-              <a:ext uri="{FF2B5EF4-FFF2-40B4-BE49-F238E27FC236}">
-                <a16:creationId xmlns:a16="http://schemas.microsoft.com/office/drawing/2014/main" id="{A23FC669-9472-F7EC-C78E-D05B582892B0}"/>
-              </a:ext>
-            </a:extLst>
-          </p:cNvPr>
-          <p:cNvSpPr>
-            <a:spLocks noGrp="1"/>
-          </p:cNvSpPr>
-          <p:nvPr>
-            <p:ph type="title"/>
-          </p:nvPr>
-        </p:nvSpPr>
-        <p:spPr/>
-        <p:txBody>
-          <a:bodyPr/>
-          <a:lstStyle/>
-          <a:p>
-            <a:endParaRPr lang="nl-NL"/>
-          </a:p>
-        </p:txBody>
-      </p:sp>
-      <p:sp>
-        <p:nvSpPr>
-          <p:cNvPr id="3" name="Tijdelijke aanduiding voor inhoud 2">
-            <a:extLst>
-              <a:ext uri="{FF2B5EF4-FFF2-40B4-BE49-F238E27FC236}">
-                <a16:creationId xmlns:a16="http://schemas.microsoft.com/office/drawing/2014/main" id="{90F9839E-FA02-2F26-B504-A2E77A6720D0}"/>
-              </a:ext>
-            </a:extLst>
-          </p:cNvPr>
-          <p:cNvSpPr>
-            <a:spLocks noGrp="1"/>
-          </p:cNvSpPr>
-          <p:nvPr>
-            <p:ph idx="1"/>
-          </p:nvPr>
-        </p:nvSpPr>
-        <p:spPr/>
-        <p:txBody>
-          <a:bodyPr/>
-          <a:lstStyle/>
-          <a:p>
-            <a:endParaRPr lang="nl-NL"/>
-          </a:p>
-        </p:txBody>
-      </p:sp>
-    </p:spTree>
-    <p:extLst>
-      <p:ext uri="{BB962C8B-B14F-4D97-AF65-F5344CB8AC3E}">
-        <p14:creationId xmlns:p14="http://schemas.microsoft.com/office/powerpoint/2010/main" val="1740275069"/>
-      </p:ext>
-    </p:extLst>
-  </p:cSld>
-  <p:clrMapOvr>
-    <a:masterClrMapping/>
-  </p:clrMapOvr>
+  <mc:AlternateContent xmlns:mc="http://schemas.openxmlformats.org/markup-compatibility/2006" xmlns:p159="http://schemas.microsoft.com/office/powerpoint/2015/09/main">
+    <mc:Choice Requires="p159">
+      <p:transition xmlns:p14="http://schemas.microsoft.com/office/powerpoint/2010/main" spd="slow" p14:dur="1750">
+        <p159:morph option="byObject"/>
+      </p:transition>
+    </mc:Choice>
+    <mc:Fallback xmlns="">
+      <p:transition spd="slow">
+        <p:fade/>
+      </p:transition>
+    </mc:Fallback>
+  </mc:AlternateContent>
 </p:sld>
 </file>
 
@@ -4093,12 +5980,81 @@
           <a:chExt cx="0" cy="0"/>
         </a:xfrm>
       </p:grpSpPr>
+      <p:pic>
+        <p:nvPicPr>
+          <p:cNvPr id="3" name="Tijdelijke aanduiding voor inhoud 4" descr="Afbeelding met wiel, voertuig, sportwagen, Landvoertuig&#10;&#10;Automatisch gegenereerde beschrijving">
+            <a:extLst>
+              <a:ext uri="{FF2B5EF4-FFF2-40B4-BE49-F238E27FC236}">
+                <a16:creationId xmlns:a16="http://schemas.microsoft.com/office/drawing/2014/main" id="{A9CE8526-4D93-62DD-135A-C4B1CC85E665}"/>
+              </a:ext>
+            </a:extLst>
+          </p:cNvPr>
+          <p:cNvPicPr>
+            <a:picLocks noChangeAspect="1"/>
+          </p:cNvPicPr>
+          <p:nvPr/>
+        </p:nvPicPr>
+        <p:blipFill rotWithShape="1">
+          <a:blip r:embed="rId2">
+            <a:extLst>
+              <a:ext uri="{28A0092B-C50C-407E-A947-70E740481C1C}">
+                <a14:useLocalDpi xmlns:a14="http://schemas.microsoft.com/office/drawing/2010/main" val="0"/>
+              </a:ext>
+            </a:extLst>
+          </a:blip>
+          <a:srcRect l="33473" t="42451" r="34433" b="24901"/>
+          <a:stretch/>
+        </p:blipFill>
+        <p:spPr>
+          <a:xfrm>
+            <a:off x="-322163" y="-723985"/>
+            <a:ext cx="12952072" cy="8783593"/>
+          </a:xfrm>
+          <a:prstGeom prst="rect">
+            <a:avLst/>
+          </a:prstGeom>
+        </p:spPr>
+      </p:pic>
+      <p:pic>
+        <p:nvPicPr>
+          <p:cNvPr id="5" name="Tijdelijke aanduiding voor inhoud 4" descr="Afbeelding met wiel, voertuig, sportwagen, Landvoertuig&#10;&#10;Automatisch gegenereerde beschrijving">
+            <a:extLst>
+              <a:ext uri="{FF2B5EF4-FFF2-40B4-BE49-F238E27FC236}">
+                <a16:creationId xmlns:a16="http://schemas.microsoft.com/office/drawing/2014/main" id="{36867785-E45E-DC78-37E7-1991AEE158E8}"/>
+              </a:ext>
+            </a:extLst>
+          </p:cNvPr>
+          <p:cNvPicPr>
+            <a:picLocks noGrp="1" noChangeAspect="1"/>
+          </p:cNvPicPr>
+          <p:nvPr>
+            <p:ph idx="1"/>
+          </p:nvPr>
+        </p:nvPicPr>
+        <p:blipFill rotWithShape="1">
+          <a:blip r:embed="rId2">
+            <a:extLst>
+              <a:ext uri="{28A0092B-C50C-407E-A947-70E740481C1C}">
+                <a14:useLocalDpi xmlns:a14="http://schemas.microsoft.com/office/drawing/2010/main" val="0"/>
+              </a:ext>
+            </a:extLst>
+          </a:blip>
+          <a:srcRect l="33473" t="42451" r="34433" b="24901"/>
+          <a:stretch/>
+        </p:blipFill>
+        <p:spPr>
+          <a:xfrm>
+            <a:off x="-322163" y="-794007"/>
+            <a:ext cx="12952072" cy="8783593"/>
+          </a:xfrm>
+        </p:spPr>
+      </p:pic>
       <p:sp>
         <p:nvSpPr>
           <p:cNvPr id="2" name="Titel 1">
             <a:extLst>
               <a:ext uri="{FF2B5EF4-FFF2-40B4-BE49-F238E27FC236}">
-                <a16:creationId xmlns:a16="http://schemas.microsoft.com/office/drawing/2014/main" id="{FDDD17DC-88A0-F03C-F18B-2F3D8C5DFD79}"/>
+                <a16:creationId xmlns:a16="http://schemas.microsoft.com/office/drawing/2014/main" id="{5275300B-B5CF-66F5-8798-F3E037808E2A}"/>
               </a:ext>
             </a:extLst>
           </p:cNvPr>
@@ -4114,45 +6070,44 @@
           <a:bodyPr/>
           <a:lstStyle/>
           <a:p>
-            <a:endParaRPr lang="nl-NL"/>
-          </a:p>
-        </p:txBody>
-      </p:sp>
-      <p:sp>
-        <p:nvSpPr>
-          <p:cNvPr id="3" name="Tijdelijke aanduiding voor inhoud 2">
-            <a:extLst>
-              <a:ext uri="{FF2B5EF4-FFF2-40B4-BE49-F238E27FC236}">
-                <a16:creationId xmlns:a16="http://schemas.microsoft.com/office/drawing/2014/main" id="{99D74B3E-FBCF-DB43-483D-C4B1CD5F1D2C}"/>
-              </a:ext>
-            </a:extLst>
-          </p:cNvPr>
-          <p:cNvSpPr>
-            <a:spLocks noGrp="1"/>
-          </p:cNvSpPr>
-          <p:nvPr>
-            <p:ph idx="1"/>
-          </p:nvPr>
-        </p:nvSpPr>
-        <p:spPr/>
-        <p:txBody>
-          <a:bodyPr/>
-          <a:lstStyle/>
-          <a:p>
-            <a:endParaRPr lang="nl-NL"/>
+            <a:r>
+              <a:rPr lang="nl-NL" dirty="0" err="1">
+                <a:solidFill>
+                  <a:schemeClr val="bg1"/>
+                </a:solidFill>
+              </a:rPr>
+              <a:t>esfew</a:t>
+            </a:r>
+            <a:endParaRPr lang="nl-NL" dirty="0">
+              <a:solidFill>
+                <a:schemeClr val="bg1"/>
+              </a:solidFill>
+            </a:endParaRPr>
           </a:p>
         </p:txBody>
       </p:sp>
     </p:spTree>
     <p:extLst>
       <p:ext uri="{BB962C8B-B14F-4D97-AF65-F5344CB8AC3E}">
-        <p14:creationId xmlns:p14="http://schemas.microsoft.com/office/powerpoint/2010/main" val="2686134132"/>
+        <p14:creationId xmlns:p14="http://schemas.microsoft.com/office/powerpoint/2010/main" val="691705613"/>
       </p:ext>
     </p:extLst>
   </p:cSld>
   <p:clrMapOvr>
     <a:masterClrMapping/>
   </p:clrMapOvr>
+  <mc:AlternateContent xmlns:mc="http://schemas.openxmlformats.org/markup-compatibility/2006">
+    <mc:Choice xmlns:p159="http://schemas.microsoft.com/office/powerpoint/2015/09/main" Requires="p159">
+      <p:transition spd="slow">
+        <p159:morph option="byObject"/>
+      </p:transition>
+    </mc:Choice>
+    <mc:Fallback>
+      <p:transition spd="slow">
+        <p:fade/>
+      </p:transition>
+    </mc:Fallback>
+  </mc:AlternateContent>
 </p:sld>
 </file>
 
@@ -4173,12 +6128,88 @@
           <a:chExt cx="0" cy="0"/>
         </a:xfrm>
       </p:grpSpPr>
+      <p:pic>
+        <p:nvPicPr>
+          <p:cNvPr id="6" name="Afbeelding 5" descr="Afbeelding met voertuig, sportwagen, motorsport, Racewagen&#10;&#10;Automatisch gegenereerde beschrijving">
+            <a:extLst>
+              <a:ext uri="{FF2B5EF4-FFF2-40B4-BE49-F238E27FC236}">
+                <a16:creationId xmlns:a16="http://schemas.microsoft.com/office/drawing/2014/main" id="{23C71EA6-2593-7989-08B8-325EB2D46188}"/>
+              </a:ext>
+            </a:extLst>
+          </p:cNvPr>
+          <p:cNvPicPr>
+            <a:picLocks noChangeAspect="1"/>
+          </p:cNvPicPr>
+          <p:nvPr/>
+        </p:nvPicPr>
+        <p:blipFill>
+          <a:blip r:embed="rId2">
+            <a:extLst>
+              <a:ext uri="{28A0092B-C50C-407E-A947-70E740481C1C}">
+                <a14:useLocalDpi xmlns:a14="http://schemas.microsoft.com/office/drawing/2010/main" val="0"/>
+              </a:ext>
+            </a:extLst>
+          </a:blip>
+          <a:stretch>
+            <a:fillRect/>
+          </a:stretch>
+        </p:blipFill>
+        <p:spPr>
+          <a:xfrm>
+            <a:off x="-322163" y="-794007"/>
+            <a:ext cx="12952072" cy="8786868"/>
+          </a:xfrm>
+          <a:prstGeom prst="rect">
+            <a:avLst/>
+          </a:prstGeom>
+        </p:spPr>
+      </p:pic>
+      <p:pic>
+        <p:nvPicPr>
+          <p:cNvPr id="4" name="Tijdelijke aanduiding voor inhoud 4" descr="Afbeelding met wiel, voertuig, sportwagen, Landvoertuig&#10;&#10;Automatisch gegenereerde beschrijving">
+            <a:extLst>
+              <a:ext uri="{FF2B5EF4-FFF2-40B4-BE49-F238E27FC236}">
+                <a16:creationId xmlns:a16="http://schemas.microsoft.com/office/drawing/2014/main" id="{ECB29CB1-AF10-3889-7BD1-490178D98C58}"/>
+              </a:ext>
+            </a:extLst>
+          </p:cNvPr>
+          <p:cNvPicPr>
+            <a:picLocks noChangeAspect="1"/>
+          </p:cNvPicPr>
+          <p:nvPr/>
+        </p:nvPicPr>
+        <p:blipFill rotWithShape="1">
+          <a:blip r:embed="rId3">
+            <a:extLst>
+              <a:ext uri="{28A0092B-C50C-407E-A947-70E740481C1C}">
+                <a14:useLocalDpi xmlns:a14="http://schemas.microsoft.com/office/drawing/2010/main" val="0"/>
+              </a:ext>
+            </a:extLst>
+          </a:blip>
+          <a:srcRect l="44127" t="46646" r="45717" b="30577"/>
+          <a:stretch/>
+        </p:blipFill>
+        <p:spPr>
+          <a:xfrm>
+            <a:off x="4130040" y="365125"/>
+            <a:ext cx="4099560" cy="6127750"/>
+          </a:xfrm>
+          <a:prstGeom prst="ellipse">
+            <a:avLst/>
+          </a:prstGeom>
+          <a:ln>
+            <a:solidFill>
+              <a:srgbClr val="010204"/>
+            </a:solidFill>
+          </a:ln>
+        </p:spPr>
+      </p:pic>
       <p:sp>
         <p:nvSpPr>
           <p:cNvPr id="2" name="Titel 1">
             <a:extLst>
               <a:ext uri="{FF2B5EF4-FFF2-40B4-BE49-F238E27FC236}">
-                <a16:creationId xmlns:a16="http://schemas.microsoft.com/office/drawing/2014/main" id="{BDE7E1F5-DDB2-A44C-C217-A90183466400}"/>
+                <a16:creationId xmlns:a16="http://schemas.microsoft.com/office/drawing/2014/main" id="{0C747911-F951-CCD5-8DFA-B7AA65120580}"/>
               </a:ext>
             </a:extLst>
           </p:cNvPr>
@@ -4194,45 +6225,108 @@
           <a:bodyPr/>
           <a:lstStyle/>
           <a:p>
-            <a:endParaRPr lang="nl-NL"/>
-          </a:p>
-        </p:txBody>
-      </p:sp>
-      <p:sp>
-        <p:nvSpPr>
-          <p:cNvPr id="3" name="Tijdelijke aanduiding voor inhoud 2">
-            <a:extLst>
-              <a:ext uri="{FF2B5EF4-FFF2-40B4-BE49-F238E27FC236}">
-                <a16:creationId xmlns:a16="http://schemas.microsoft.com/office/drawing/2014/main" id="{9FDC649C-6451-97C1-C589-D7A104BB8FBB}"/>
-              </a:ext>
-            </a:extLst>
-          </p:cNvPr>
-          <p:cNvSpPr>
-            <a:spLocks noGrp="1"/>
-          </p:cNvSpPr>
-          <p:nvPr>
-            <p:ph idx="1"/>
-          </p:nvPr>
-        </p:nvSpPr>
-        <p:spPr/>
-        <p:txBody>
-          <a:bodyPr/>
-          <a:lstStyle/>
-          <a:p>
-            <a:endParaRPr lang="nl-NL"/>
+            <a:r>
+              <a:rPr lang="nl-NL" dirty="0">
+                <a:solidFill>
+                  <a:schemeClr val="bg1"/>
+                </a:solidFill>
+              </a:rPr>
+              <a:t>Tekst</a:t>
+            </a:r>
           </a:p>
         </p:txBody>
       </p:sp>
     </p:spTree>
     <p:extLst>
       <p:ext uri="{BB962C8B-B14F-4D97-AF65-F5344CB8AC3E}">
-        <p14:creationId xmlns:p14="http://schemas.microsoft.com/office/powerpoint/2010/main" val="1226652928"/>
+        <p14:creationId xmlns:p14="http://schemas.microsoft.com/office/powerpoint/2010/main" val="3662005302"/>
       </p:ext>
     </p:extLst>
   </p:cSld>
   <p:clrMapOvr>
     <a:masterClrMapping/>
   </p:clrMapOvr>
+  <mc:AlternateContent xmlns:mc="http://schemas.openxmlformats.org/markup-compatibility/2006">
+    <mc:Choice xmlns:p14="http://schemas.microsoft.com/office/powerpoint/2010/main" Requires="p14">
+      <p:transition spd="slow">
+        <p14:flash/>
+      </p:transition>
+    </mc:Choice>
+    <mc:Fallback>
+      <p:transition spd="slow">
+        <p:fade/>
+      </p:transition>
+    </mc:Fallback>
+  </mc:AlternateContent>
+  <p:timing>
+    <p:tnLst>
+      <p:par>
+        <p:cTn id="1" dur="indefinite" restart="never" nodeType="tmRoot">
+          <p:childTnLst>
+            <p:seq concurrent="1" nextAc="seek">
+              <p:cTn id="2" dur="indefinite" nodeType="mainSeq">
+                <p:childTnLst>
+                  <p:par>
+                    <p:cTn id="3" fill="hold">
+                      <p:stCondLst>
+                        <p:cond delay="indefinite"/>
+                      </p:stCondLst>
+                      <p:childTnLst>
+                        <p:par>
+                          <p:cTn id="4" fill="hold">
+                            <p:stCondLst>
+                              <p:cond delay="0"/>
+                            </p:stCondLst>
+                            <p:childTnLst>
+                              <p:par>
+                                <p:cTn id="5" presetID="0" presetClass="path" presetSubtype="0" accel="50000" decel="50000" fill="hold" nodeType="clickEffect">
+                                  <p:stCondLst>
+                                    <p:cond delay="250"/>
+                                  </p:stCondLst>
+                                  <p:childTnLst>
+                                    <p:animMotion origin="layout" path="M -0.00078 0.01991 L -0.00078 0.01991 C -0.00612 0.01829 -0.01198 0.01898 -0.01706 0.01528 C -0.02135 0.01227 -0.01901 -0.00694 -0.01823 -0.00903 C -0.01732 -0.01204 -0.01497 -0.01204 -0.01328 -0.01343 C -0.01081 -0.01065 -0.00755 -0.00903 -0.00573 -0.00463 C -0.00495 -0.00278 -0.00573 0.00208 -0.00703 0.00208 C -0.00911 0.00208 -0.01029 -0.00231 -0.01198 -0.00463 C -0.01081 -0.01273 -0.01276 -0.02616 -0.0082 -0.02917 C -0.00404 -0.03171 -1.04167E-6 -0.02083 0.00169 -0.01343 C 0.00456 -0.00208 -0.00104 0.00231 -0.00456 0.00648 C -0.00612 -0.00069 -0.01719 -0.03588 -0.00456 -0.04236 C 0.00065 -0.04491 0.00378 -0.03056 0.00807 -0.02454 C 0.0043 -0.01644 0.00261 -0.00255 -0.00325 -0.00023 C -0.00976 0.00231 -0.03008 -0.02593 -0.01575 -0.00694 C -0.01745 -0.00162 -0.01745 0.00764 -0.02083 0.0088 C -0.02331 0.00949 -0.02357 0 -0.02331 -0.00463 C -0.02305 -0.00787 -0.02083 -0.00903 -0.01953 -0.01134 L -0.00456 0.0088 C -0.00247 -0.00394 -0.00377 -0.02037 0.00169 -0.02917 C 0.00508 -0.03426 0.00651 -0.01435 0.00547 -0.00694 C 0.00482 -0.00231 0.00052 -0.00394 -0.00195 -0.00231 C -0.01029 -0.01458 -0.00807 -0.00833 -0.01081 -0.01806 " pathEditMode="relative" ptsTypes="AAAAAAAAAAAAAAAAAAAAAAA">
+                                      <p:cBhvr>
+                                        <p:cTn id="6" dur="1250" fill="hold"/>
+                                        <p:tgtEl>
+                                          <p:spTgt spid="4"/>
+                                        </p:tgtEl>
+                                        <p:attrNameLst>
+                                          <p:attrName>ppt_x</p:attrName>
+                                          <p:attrName>ppt_y</p:attrName>
+                                        </p:attrNameLst>
+                                      </p:cBhvr>
+                                    </p:animMotion>
+                                  </p:childTnLst>
+                                </p:cTn>
+                              </p:par>
+                            </p:childTnLst>
+                          </p:cTn>
+                        </p:par>
+                      </p:childTnLst>
+                    </p:cTn>
+                  </p:par>
+                </p:childTnLst>
+              </p:cTn>
+              <p:prevCondLst>
+                <p:cond evt="onPrev" delay="0">
+                  <p:tgtEl>
+                    <p:sldTgt/>
+                  </p:tgtEl>
+                </p:cond>
+              </p:prevCondLst>
+              <p:nextCondLst>
+                <p:cond evt="onNext" delay="0">
+                  <p:tgtEl>
+                    <p:sldTgt/>
+                  </p:tgtEl>
+                </p:cond>
+              </p:nextCondLst>
+            </p:seq>
+          </p:childTnLst>
+        </p:cTn>
+      </p:par>
+    </p:tnLst>
+  </p:timing>
 </p:sld>
 </file>
 
@@ -4253,12 +6347,47 @@
           <a:chExt cx="0" cy="0"/>
         </a:xfrm>
       </p:grpSpPr>
+      <p:pic>
+        <p:nvPicPr>
+          <p:cNvPr id="7" name="Tijdelijke aanduiding voor inhoud 4" descr="Afbeelding met band, wiel, Autoband, voertuig&#10;&#10;Automatisch gegenereerde beschrijving">
+            <a:extLst>
+              <a:ext uri="{FF2B5EF4-FFF2-40B4-BE49-F238E27FC236}">
+                <a16:creationId xmlns:a16="http://schemas.microsoft.com/office/drawing/2014/main" id="{AE57B8C4-9BFA-76D7-7CF7-44BF123B3AC0}"/>
+              </a:ext>
+            </a:extLst>
+          </p:cNvPr>
+          <p:cNvPicPr>
+            <a:picLocks noChangeAspect="1"/>
+          </p:cNvPicPr>
+          <p:nvPr/>
+        </p:nvPicPr>
+        <p:blipFill rotWithShape="1">
+          <a:blip r:embed="rId2">
+            <a:extLst>
+              <a:ext uri="{28A0092B-C50C-407E-A947-70E740481C1C}">
+                <a14:useLocalDpi xmlns:a14="http://schemas.microsoft.com/office/drawing/2010/main" val="0"/>
+              </a:ext>
+            </a:extLst>
+          </a:blip>
+          <a:srcRect l="26021" t="33106" r="27305" b="17641"/>
+          <a:stretch/>
+        </p:blipFill>
+        <p:spPr>
+          <a:xfrm>
+            <a:off x="0" y="0"/>
+            <a:ext cx="12192000" cy="7024914"/>
+          </a:xfrm>
+          <a:prstGeom prst="rect">
+            <a:avLst/>
+          </a:prstGeom>
+        </p:spPr>
+      </p:pic>
       <p:sp>
         <p:nvSpPr>
           <p:cNvPr id="2" name="Titel 1">
             <a:extLst>
               <a:ext uri="{FF2B5EF4-FFF2-40B4-BE49-F238E27FC236}">
-                <a16:creationId xmlns:a16="http://schemas.microsoft.com/office/drawing/2014/main" id="{EEB1298E-057B-2476-E916-1D48C1BF24CE}"/>
+                <a16:creationId xmlns:a16="http://schemas.microsoft.com/office/drawing/2014/main" id="{D0D87ABB-40B8-6016-DB15-B6368F585F46}"/>
               </a:ext>
             </a:extLst>
           </p:cNvPr>
@@ -4274,45 +6403,384 @@
           <a:bodyPr/>
           <a:lstStyle/>
           <a:p>
-            <a:endParaRPr lang="nl-NL"/>
-          </a:p>
-        </p:txBody>
-      </p:sp>
-      <p:sp>
-        <p:nvSpPr>
-          <p:cNvPr id="3" name="Tijdelijke aanduiding voor inhoud 2">
-            <a:extLst>
-              <a:ext uri="{FF2B5EF4-FFF2-40B4-BE49-F238E27FC236}">
-                <a16:creationId xmlns:a16="http://schemas.microsoft.com/office/drawing/2014/main" id="{23C761D8-A506-36C5-86C4-A70D03365E5F}"/>
-              </a:ext>
-            </a:extLst>
-          </p:cNvPr>
-          <p:cNvSpPr>
-            <a:spLocks noGrp="1"/>
-          </p:cNvSpPr>
+            <a:r>
+              <a:rPr lang="nl-NL" dirty="0">
+                <a:solidFill>
+                  <a:schemeClr val="bg1"/>
+                </a:solidFill>
+              </a:rPr>
+              <a:t>Tekst</a:t>
+            </a:r>
+          </a:p>
+        </p:txBody>
+      </p:sp>
+      <p:pic>
+        <p:nvPicPr>
+          <p:cNvPr id="8" name="Tijdelijke aanduiding voor inhoud 7" descr="Afbeelding met band, wiel, Autoband, voertuig&#10;&#10;Automatisch gegenereerde beschrijving">
+            <a:extLst>
+              <a:ext uri="{FF2B5EF4-FFF2-40B4-BE49-F238E27FC236}">
+                <a16:creationId xmlns:a16="http://schemas.microsoft.com/office/drawing/2014/main" id="{E37FF2F9-AD6B-912D-2AB9-B092283C8107}"/>
+              </a:ext>
+            </a:extLst>
+          </p:cNvPr>
+          <p:cNvPicPr>
+            <a:picLocks noGrp="1" noChangeAspect="1"/>
+          </p:cNvPicPr>
           <p:nvPr>
             <p:ph idx="1"/>
           </p:nvPr>
-        </p:nvSpPr>
-        <p:spPr/>
-        <p:txBody>
-          <a:bodyPr/>
-          <a:lstStyle/>
-          <a:p>
-            <a:endParaRPr lang="nl-NL"/>
-          </a:p>
-        </p:txBody>
-      </p:sp>
+        </p:nvPicPr>
+        <p:blipFill rotWithShape="1">
+          <a:blip r:embed="rId2">
+            <a:extLst>
+              <a:ext uri="{28A0092B-C50C-407E-A947-70E740481C1C}">
+                <a14:useLocalDpi xmlns:a14="http://schemas.microsoft.com/office/drawing/2010/main" val="0"/>
+              </a:ext>
+            </a:extLst>
+          </a:blip>
+          <a:srcRect l="36833" t="35190" r="40407" b="22242"/>
+          <a:stretch/>
+        </p:blipFill>
+        <p:spPr>
+          <a:xfrm>
+            <a:off x="2821004" y="365125"/>
+            <a:ext cx="6000015" cy="6127115"/>
+          </a:xfrm>
+          <a:prstGeom prst="flowChartConnector">
+            <a:avLst/>
+          </a:prstGeom>
+        </p:spPr>
+      </p:pic>
     </p:spTree>
     <p:extLst>
       <p:ext uri="{BB962C8B-B14F-4D97-AF65-F5344CB8AC3E}">
-        <p14:creationId xmlns:p14="http://schemas.microsoft.com/office/powerpoint/2010/main" val="3933053359"/>
+        <p14:creationId xmlns:p14="http://schemas.microsoft.com/office/powerpoint/2010/main" val="401578454"/>
       </p:ext>
     </p:extLst>
   </p:cSld>
   <p:clrMapOvr>
     <a:masterClrMapping/>
   </p:clrMapOvr>
+  <mc:AlternateContent xmlns:mc="http://schemas.openxmlformats.org/markup-compatibility/2006">
+    <mc:Choice xmlns:p14="http://schemas.microsoft.com/office/powerpoint/2010/main" Requires="p14">
+      <p:transition spd="med">
+        <p14:ripple/>
+      </p:transition>
+    </mc:Choice>
+    <mc:Fallback>
+      <p:transition spd="med">
+        <p:fade/>
+      </p:transition>
+    </mc:Fallback>
+  </mc:AlternateContent>
+  <p:timing>
+    <p:tnLst>
+      <p:par>
+        <p:cTn id="1" dur="indefinite" restart="never" nodeType="tmRoot">
+          <p:childTnLst>
+            <p:seq concurrent="1" nextAc="seek">
+              <p:cTn id="2" dur="indefinite" nodeType="mainSeq">
+                <p:childTnLst>
+                  <p:par>
+                    <p:cTn id="3" fill="hold">
+                      <p:stCondLst>
+                        <p:cond delay="indefinite"/>
+                      </p:stCondLst>
+                      <p:childTnLst>
+                        <p:par>
+                          <p:cTn id="4" fill="hold">
+                            <p:stCondLst>
+                              <p:cond delay="0"/>
+                            </p:stCondLst>
+                            <p:childTnLst>
+                              <p:par>
+                                <p:cTn id="5" presetID="0" presetClass="path" presetSubtype="0" accel="50000" decel="50000" fill="hold" nodeType="clickEffect">
+                                  <p:stCondLst>
+                                    <p:cond delay="0"/>
+                                  </p:stCondLst>
+                                  <p:childTnLst>
+                                    <p:animMotion origin="layout" path="M 0.00274 0.01667 L 0.00274 0.01667 C 0.00118 0.01366 -0.00065 0.01088 -0.00182 0.00741 C -0.00247 0.00579 -0.0026 0.00347 -0.00247 0.00162 C -0.00221 -0.00394 -0.00182 -0.0081 0.00079 -0.01111 C 0.00131 -0.01181 0.00209 -0.01204 0.00274 -0.01227 C 0.0056 -0.0088 0.00873 -0.00625 0.0112 -0.00185 C 0.01198 -0.00046 0.01211 0.00208 0.01185 0.00394 C 0.01172 0.00556 0.00769 0.01042 0.0073 0.01088 C 0.00599 0.00995 -0.00026 0.00671 -0.00182 0.00278 C -0.00234 0.00139 -0.00234 -0.00023 -0.00247 -0.00185 C -0.00208 -0.00417 -0.00208 -0.00694 -0.00117 -0.0088 C 0.00144 -0.01505 0.00521 -0.00741 0.0073 -0.00532 C 0.00756 0 0.00912 0.00903 0.00664 0.01435 C 0.00625 0.01528 0.00534 0.01528 0.00469 0.01551 C 0.00404 0.01528 0.00313 0.01551 0.00274 0.01435 C -3.95833E-6 0.00648 -3.95833E-6 -0.00671 0.00144 -0.01481 C 0.00183 -0.0169 0.00365 -0.01713 0.00469 -0.01829 C 0.01003 -0.01157 0.01263 -0.01181 0.01316 0.00046 C 0.01329 0.00185 0.0125 0.00324 0.01185 0.00394 C 0.01055 0.00556 0.00886 0.00625 0.0073 0.00741 C 0.00508 0.00579 0.00235 0.00579 0.00079 0.00278 C -0.00299 -0.0044 -0.00182 -0.01042 -0.00117 -0.01829 C 0.00521 -0.00556 0.00612 -0.00764 0.00664 0.01088 C 0.00664 0.01273 0.00573 0.01412 0.00534 0.01551 C 0.003 0.01296 -0.00078 0.01204 -0.00182 0.00741 C -0.00377 -0.00093 -0.00755 -0.01852 -0.00247 -0.01944 C 0.00391 -0.0206 0.00664 -0.00301 0.0112 0.00509 C 0.01003 0.00856 0.0073 0.02477 0.00209 0.01551 C 0.00039 0.01273 0.00079 0.00787 0.00013 0.00394 C 0.00092 -0.00648 -0.00312 -0.02963 0.00274 -0.02755 C 0.01914 -0.0213 0.01302 0.00602 0.01055 0.02037 C 0.00821 0.01829 0.00456 0.01852 0.00339 0.01435 C -0.00052 0.00139 0.00339 -0.00949 0.00599 -0.0206 C 0.00704 -0.01042 0.00899 -0.00046 0.00925 0.00972 C 0.00938 0.01319 0.00899 0.01782 0.0073 0.01898 C 0.00573 0.02014 0.00404 0.01644 0.00274 0.01435 C -0.00065 0.00903 -0.00338 0.00278 -0.00638 -0.00301 C -0.00468 -0.00463 -0.00312 -0.0081 -0.00117 -0.00764 C -3.95833E-6 -0.00741 -3.95833E-6 -0.00394 0.00013 -0.00185 C 0.00039 0.00231 -0.00052 0.00162 -0.00182 0.00162 " pathEditMode="relative" ptsTypes="AAAAAAAAAAAAAAAAAAAAAAAAAAAAAAAAAAAAAAAAA">
+                                      <p:cBhvr>
+                                        <p:cTn id="6" dur="2000" fill="hold"/>
+                                        <p:tgtEl>
+                                          <p:spTgt spid="8"/>
+                                        </p:tgtEl>
+                                        <p:attrNameLst>
+                                          <p:attrName>ppt_x</p:attrName>
+                                          <p:attrName>ppt_y</p:attrName>
+                                        </p:attrNameLst>
+                                      </p:cBhvr>
+                                    </p:animMotion>
+                                  </p:childTnLst>
+                                </p:cTn>
+                              </p:par>
+                            </p:childTnLst>
+                          </p:cTn>
+                        </p:par>
+                      </p:childTnLst>
+                    </p:cTn>
+                  </p:par>
+                </p:childTnLst>
+              </p:cTn>
+              <p:prevCondLst>
+                <p:cond evt="onPrev" delay="0">
+                  <p:tgtEl>
+                    <p:sldTgt/>
+                  </p:tgtEl>
+                </p:cond>
+              </p:prevCondLst>
+              <p:nextCondLst>
+                <p:cond evt="onNext" delay="0">
+                  <p:tgtEl>
+                    <p:sldTgt/>
+                  </p:tgtEl>
+                </p:cond>
+              </p:nextCondLst>
+            </p:seq>
+          </p:childTnLst>
+        </p:cTn>
+      </p:par>
+    </p:tnLst>
+  </p:timing>
+</p:sld>
+</file>
+
+<file path=ppt/slides/slide8.xml><?xml version="1.0" encoding="utf-8"?>
+<p:sld xmlns:a="http://schemas.openxmlformats.org/drawingml/2006/main" xmlns:r="http://schemas.openxmlformats.org/officeDocument/2006/relationships" xmlns:p="http://schemas.openxmlformats.org/presentationml/2006/main">
+  <p:cSld>
+    <p:spTree>
+      <p:nvGrpSpPr>
+        <p:cNvPr id="1" name=""/>
+        <p:cNvGrpSpPr/>
+        <p:nvPr/>
+      </p:nvGrpSpPr>
+      <p:grpSpPr>
+        <a:xfrm>
+          <a:off x="0" y="0"/>
+          <a:ext cx="0" cy="0"/>
+          <a:chOff x="0" y="0"/>
+          <a:chExt cx="0" cy="0"/>
+        </a:xfrm>
+      </p:grpSpPr>
+      <p:pic>
+        <p:nvPicPr>
+          <p:cNvPr id="5" name="Tijdelijke aanduiding voor inhoud 4" descr="Afbeelding met band, wiel, Autoband, voertuig&#10;&#10;Automatisch gegenereerde beschrijving">
+            <a:extLst>
+              <a:ext uri="{FF2B5EF4-FFF2-40B4-BE49-F238E27FC236}">
+                <a16:creationId xmlns:a16="http://schemas.microsoft.com/office/drawing/2014/main" id="{D37DA613-0AF7-E071-67F9-C6A6C6925100}"/>
+              </a:ext>
+            </a:extLst>
+          </p:cNvPr>
+          <p:cNvPicPr>
+            <a:picLocks noGrp="1" noChangeAspect="1"/>
+          </p:cNvPicPr>
+          <p:nvPr>
+            <p:ph idx="1"/>
+          </p:nvPr>
+        </p:nvPicPr>
+        <p:blipFill>
+          <a:blip r:embed="rId2">
+            <a:extLst>
+              <a:ext uri="{28A0092B-C50C-407E-A947-70E740481C1C}">
+                <a14:useLocalDpi xmlns:a14="http://schemas.microsoft.com/office/drawing/2010/main" val="0"/>
+              </a:ext>
+            </a:extLst>
+          </a:blip>
+          <a:stretch>
+            <a:fillRect/>
+          </a:stretch>
+        </p:blipFill>
+        <p:spPr>
+          <a:xfrm>
+            <a:off x="0" y="0"/>
+            <a:ext cx="12560438" cy="6858000"/>
+          </a:xfrm>
+        </p:spPr>
+      </p:pic>
+      <p:sp>
+        <p:nvSpPr>
+          <p:cNvPr id="2" name="Titel 1">
+            <a:extLst>
+              <a:ext uri="{FF2B5EF4-FFF2-40B4-BE49-F238E27FC236}">
+                <a16:creationId xmlns:a16="http://schemas.microsoft.com/office/drawing/2014/main" id="{FDDD17DC-88A0-F03C-F18B-2F3D8C5DFD79}"/>
+              </a:ext>
+            </a:extLst>
+          </p:cNvPr>
+          <p:cNvSpPr>
+            <a:spLocks noGrp="1"/>
+          </p:cNvSpPr>
+          <p:nvPr>
+            <p:ph type="title"/>
+          </p:nvPr>
+        </p:nvSpPr>
+        <p:spPr/>
+        <p:txBody>
+          <a:bodyPr/>
+          <a:lstStyle/>
+          <a:p>
+            <a:r>
+              <a:rPr lang="nl-NL" dirty="0">
+                <a:solidFill>
+                  <a:schemeClr val="tx2">
+                    <a:lumMod val="50000"/>
+                    <a:lumOff val="50000"/>
+                  </a:schemeClr>
+                </a:solidFill>
+              </a:rPr>
+              <a:t>Tekst</a:t>
+            </a:r>
+          </a:p>
+        </p:txBody>
+      </p:sp>
+    </p:spTree>
+    <p:extLst>
+      <p:ext uri="{BB962C8B-B14F-4D97-AF65-F5344CB8AC3E}">
+        <p14:creationId xmlns:p14="http://schemas.microsoft.com/office/powerpoint/2010/main" val="2686134132"/>
+      </p:ext>
+    </p:extLst>
+  </p:cSld>
+  <p:clrMapOvr>
+    <a:masterClrMapping/>
+  </p:clrMapOvr>
+  <mc:AlternateContent xmlns:mc="http://schemas.openxmlformats.org/markup-compatibility/2006" xmlns:p159="http://schemas.microsoft.com/office/powerpoint/2015/09/main">
+    <mc:Choice Requires="p159">
+      <p:transition xmlns:p14="http://schemas.microsoft.com/office/powerpoint/2010/main" spd="slow" p14:dur="2000">
+        <p159:morph option="byObject"/>
+      </p:transition>
+    </mc:Choice>
+    <mc:Fallback xmlns="">
+      <p:transition spd="slow">
+        <p:fade/>
+      </p:transition>
+    </mc:Fallback>
+  </mc:AlternateContent>
+</p:sld>
+</file>
+
+<file path=ppt/slides/slide9.xml><?xml version="1.0" encoding="utf-8"?>
+<p:sld xmlns:a="http://schemas.openxmlformats.org/drawingml/2006/main" xmlns:r="http://schemas.openxmlformats.org/officeDocument/2006/relationships" xmlns:p="http://schemas.openxmlformats.org/presentationml/2006/main">
+  <p:cSld>
+    <p:spTree>
+      <p:nvGrpSpPr>
+        <p:cNvPr id="1" name=""/>
+        <p:cNvGrpSpPr/>
+        <p:nvPr/>
+      </p:nvGrpSpPr>
+      <p:grpSpPr>
+        <a:xfrm>
+          <a:off x="0" y="0"/>
+          <a:ext cx="0" cy="0"/>
+          <a:chOff x="0" y="0"/>
+          <a:chExt cx="0" cy="0"/>
+        </a:xfrm>
+      </p:grpSpPr>
+      <p:pic>
+        <p:nvPicPr>
+          <p:cNvPr id="4" name="Tijdelijke aanduiding voor inhoud 4" descr="Afbeelding met band, wiel, Autoband, voertuig&#10;&#10;Automatisch gegenereerde beschrijving">
+            <a:extLst>
+              <a:ext uri="{FF2B5EF4-FFF2-40B4-BE49-F238E27FC236}">
+                <a16:creationId xmlns:a16="http://schemas.microsoft.com/office/drawing/2014/main" id="{1BA1EAE5-D3F3-5337-2A05-000AF24990FE}"/>
+              </a:ext>
+            </a:extLst>
+          </p:cNvPr>
+          <p:cNvPicPr>
+            <a:picLocks noChangeAspect="1"/>
+          </p:cNvPicPr>
+          <p:nvPr/>
+        </p:nvPicPr>
+        <p:blipFill rotWithShape="1">
+          <a:blip r:embed="rId2">
+            <a:extLst>
+              <a:ext uri="{28A0092B-C50C-407E-A947-70E740481C1C}">
+                <a14:useLocalDpi xmlns:a14="http://schemas.microsoft.com/office/drawing/2010/main" val="0"/>
+              </a:ext>
+            </a:extLst>
+          </a:blip>
+          <a:srcRect r="75976" b="90069"/>
+          <a:stretch/>
+        </p:blipFill>
+        <p:spPr>
+          <a:xfrm>
+            <a:off x="-13654112" y="-125096"/>
+            <a:ext cx="30940505" cy="6983095"/>
+          </a:xfrm>
+          <a:prstGeom prst="rect">
+            <a:avLst/>
+          </a:prstGeom>
+        </p:spPr>
+      </p:pic>
+      <p:sp>
+        <p:nvSpPr>
+          <p:cNvPr id="2" name="Titel 1">
+            <a:extLst>
+              <a:ext uri="{FF2B5EF4-FFF2-40B4-BE49-F238E27FC236}">
+                <a16:creationId xmlns:a16="http://schemas.microsoft.com/office/drawing/2014/main" id="{A8FCB8E8-B389-2AB8-2C30-30D020178460}"/>
+              </a:ext>
+            </a:extLst>
+          </p:cNvPr>
+          <p:cNvSpPr>
+            <a:spLocks noGrp="1"/>
+          </p:cNvSpPr>
+          <p:nvPr>
+            <p:ph type="title"/>
+          </p:nvPr>
+        </p:nvSpPr>
+        <p:spPr/>
+        <p:txBody>
+          <a:bodyPr/>
+          <a:lstStyle/>
+          <a:p>
+            <a:endParaRPr lang="nl-NL"/>
+          </a:p>
+        </p:txBody>
+      </p:sp>
+      <p:sp>
+        <p:nvSpPr>
+          <p:cNvPr id="3" name="Tijdelijke aanduiding voor inhoud 2">
+            <a:extLst>
+              <a:ext uri="{FF2B5EF4-FFF2-40B4-BE49-F238E27FC236}">
+                <a16:creationId xmlns:a16="http://schemas.microsoft.com/office/drawing/2014/main" id="{6591842E-863F-7F15-7969-C0AEBB2B89CD}"/>
+              </a:ext>
+            </a:extLst>
+          </p:cNvPr>
+          <p:cNvSpPr>
+            <a:spLocks noGrp="1"/>
+          </p:cNvSpPr>
+          <p:nvPr>
+            <p:ph idx="1"/>
+          </p:nvPr>
+        </p:nvSpPr>
+        <p:spPr/>
+        <p:txBody>
+          <a:bodyPr/>
+          <a:lstStyle/>
+          <a:p>
+            <a:endParaRPr lang="nl-NL"/>
+          </a:p>
+        </p:txBody>
+      </p:sp>
+    </p:spTree>
+    <p:extLst>
+      <p:ext uri="{BB962C8B-B14F-4D97-AF65-F5344CB8AC3E}">
+        <p14:creationId xmlns:p14="http://schemas.microsoft.com/office/powerpoint/2010/main" val="3091831353"/>
+      </p:ext>
+    </p:extLst>
+  </p:cSld>
+  <p:clrMapOvr>
+    <a:masterClrMapping/>
+  </p:clrMapOvr>
+  <mc:AlternateContent xmlns:mc="http://schemas.openxmlformats.org/markup-compatibility/2006" xmlns:p159="http://schemas.microsoft.com/office/powerpoint/2015/09/main">
+    <mc:Choice Requires="p159">
+      <p:transition xmlns:p14="http://schemas.microsoft.com/office/powerpoint/2010/main" spd="slow" p14:dur="2000">
+        <p159:morph option="byObject"/>
+      </p:transition>
+    </mc:Choice>
+    <mc:Fallback xmlns="">
+      <p:transition spd="slow">
+        <p:fade/>
+      </p:transition>
+    </mc:Fallback>
+  </mc:AlternateContent>
 </p:sld>
 </file>
 
